--- a/livrables/Projet10_Purbeurre_Nutellove.pptx
+++ b/livrables/Projet10_Purbeurre_Nutellove.pptx
@@ -16,8 +16,8 @@
     <p:sldId id="258" r:id="rId7"/>
     <p:sldId id="264" r:id="rId8"/>
     <p:sldId id="266" r:id="rId9"/>
-    <p:sldId id="274" r:id="rId10"/>
-    <p:sldId id="280" r:id="rId11"/>
+    <p:sldId id="282" r:id="rId10"/>
+    <p:sldId id="274" r:id="rId11"/>
     <p:sldId id="272" r:id="rId12"/>
     <p:sldId id="270" r:id="rId13"/>
     <p:sldId id="276" r:id="rId14"/>
@@ -3903,7 +3903,6 @@
               <a:rPr lang="fr-FR" dirty="0" smtClean="0"/>
               <a:t>avec un fort potentiel de croissance.</a:t>
             </a:r>
-            <a:endParaRPr lang="fr-FR" dirty="0" smtClean="0"/>
           </a:p>
         </p:txBody>
       </p:sp>
@@ -3990,7 +3989,7 @@
         </p:nvSpPr>
         <p:spPr>
           <a:xfrm>
-            <a:off x="838199" y="1791514"/>
+            <a:off x="838199" y="2043857"/>
             <a:ext cx="10786534" cy="523220"/>
           </a:xfrm>
           <a:prstGeom prst="rect">
@@ -4008,12 +4007,16 @@
               <a:buChar char="•"/>
             </a:pPr>
             <a:r>
+              <a:rPr lang="fr-FR" sz="2800" b="1" dirty="0" smtClean="0"/>
+              <a:t>Création de tâche </a:t>
+            </a:r>
+            <a:r>
+              <a:rPr lang="fr-FR" sz="2800" b="1" dirty="0" err="1" smtClean="0"/>
+              <a:t>Cron</a:t>
+            </a:r>
+            <a:r>
               <a:rPr lang="fr-FR" sz="2800" dirty="0" smtClean="0"/>
-              <a:t>Chercher par </a:t>
-            </a:r>
-            <a:r>
-              <a:rPr lang="fr-FR" sz="2800" b="1" dirty="0" smtClean="0"/>
-              <a:t>mots clés.</a:t>
+              <a:t>.</a:t>
             </a:r>
             <a:endParaRPr lang="fr-FR" sz="2800" dirty="0" smtClean="0"/>
           </a:p>
@@ -4029,7 +4032,7 @@
         </p:nvSpPr>
         <p:spPr>
           <a:xfrm>
-            <a:off x="838200" y="612102"/>
+            <a:off x="838200" y="864445"/>
             <a:ext cx="10515600" cy="1325563"/>
           </a:xfrm>
           <a:prstGeom prst="rect">
@@ -4546,8 +4549,8 @@
         </p:nvSpPr>
         <p:spPr>
           <a:xfrm>
-            <a:off x="838199" y="3457148"/>
-            <a:ext cx="10676468" cy="523220"/>
+            <a:off x="838199" y="4241421"/>
+            <a:ext cx="10108685" cy="954107"/>
           </a:xfrm>
           <a:prstGeom prst="rect">
             <a:avLst/>
@@ -4565,7 +4568,11 @@
             </a:pPr>
             <a:r>
               <a:rPr lang="fr-FR" sz="2800" dirty="0" smtClean="0"/>
-              <a:t>Essayer par mes propres moyens puis suivre des fils </a:t>
+              <a:t>Chercher sur </a:t>
+            </a:r>
+            <a:r>
+              <a:rPr lang="fr-FR" sz="2800" b="1" dirty="0" smtClean="0"/>
+              <a:t>Google/</a:t>
             </a:r>
             <a:r>
               <a:rPr lang="fr-FR" sz="2800" b="1" dirty="0" err="1" smtClean="0"/>
@@ -4573,9 +4580,46 @@
             </a:r>
             <a:r>
               <a:rPr lang="fr-FR" sz="2800" b="1" dirty="0" smtClean="0"/>
+              <a:t> ;</a:t>
+            </a:r>
+          </a:p>
+          <a:p>
+            <a:pPr marL="285750" indent="-285750">
+              <a:buFont typeface="Arial" panose="020B0604020202020204" pitchFamily="34" charset="0"/>
+              <a:buChar char="•"/>
+            </a:pPr>
+            <a:r>
+              <a:rPr lang="fr-FR" sz="2800" b="1" dirty="0" smtClean="0"/>
+              <a:t>Tester</a:t>
+            </a:r>
+            <a:r>
+              <a:rPr lang="fr-FR" sz="2800" dirty="0" smtClean="0"/>
+              <a:t> les bouts de code </a:t>
+            </a:r>
+            <a:r>
+              <a:rPr lang="fr-FR" sz="2800" dirty="0" err="1" smtClean="0"/>
+              <a:t>Cron</a:t>
+            </a:r>
+            <a:r>
+              <a:rPr lang="fr-FR" sz="2800" dirty="0" smtClean="0"/>
+              <a:t> dans et en dehors de l’</a:t>
+            </a:r>
+            <a:r>
+              <a:rPr lang="fr-FR" sz="2800" dirty="0" err="1" smtClean="0"/>
+              <a:t>env</a:t>
+            </a:r>
+            <a:r>
+              <a:rPr lang="fr-FR" sz="2800" dirty="0" smtClean="0"/>
+              <a:t> </a:t>
+            </a:r>
+            <a:r>
+              <a:rPr lang="fr-FR" sz="2800" dirty="0" err="1" smtClean="0"/>
+              <a:t>Cron</a:t>
+            </a:r>
+            <a:r>
+              <a:rPr lang="fr-FR" sz="2800" dirty="0" smtClean="0"/>
               <a:t>.</a:t>
             </a:r>
-            <a:endParaRPr lang="fr-FR" sz="2800" dirty="0" smtClean="0"/>
           </a:p>
         </p:txBody>
       </p:sp>
@@ -4589,7 +4633,7 @@
         </p:nvSpPr>
         <p:spPr>
           <a:xfrm>
-            <a:off x="838200" y="2299434"/>
+            <a:off x="838200" y="3083707"/>
             <a:ext cx="10515600" cy="1325563"/>
           </a:xfrm>
           <a:prstGeom prst="rect">
@@ -4636,109 +4680,13 @@
           </a:p>
         </p:txBody>
       </p:sp>
-      <p:pic>
-        <p:nvPicPr>
-          <p:cNvPr id="21" name="Image 20"/>
-          <p:cNvPicPr>
-            <a:picLocks noChangeAspect="1"/>
-          </p:cNvPicPr>
-          <p:nvPr/>
-        </p:nvPicPr>
-        <p:blipFill>
-          <a:blip r:embed="rId3">
-            <a:extLst>
-              <a:ext uri="{28A0092B-C50C-407E-A947-70E740481C1C}">
-                <a14:useLocalDpi xmlns:a14="http://schemas.microsoft.com/office/drawing/2010/main" val="0"/>
-              </a:ext>
-            </a:extLst>
-          </a:blip>
-          <a:stretch>
-            <a:fillRect/>
-          </a:stretch>
-        </p:blipFill>
-        <p:spPr>
-          <a:xfrm>
-            <a:off x="1033298" y="4274974"/>
-            <a:ext cx="4402302" cy="2388293"/>
-          </a:xfrm>
-          <a:prstGeom prst="rect">
-            <a:avLst/>
-          </a:prstGeom>
-        </p:spPr>
-      </p:pic>
-      <p:cxnSp>
-        <p:nvCxnSpPr>
-          <p:cNvPr id="23" name="Connecteur droit avec flèche 22"/>
-          <p:cNvCxnSpPr/>
-          <p:nvPr/>
-        </p:nvCxnSpPr>
-        <p:spPr>
-          <a:xfrm>
-            <a:off x="5672667" y="5427133"/>
-            <a:ext cx="1397000" cy="0"/>
-          </a:xfrm>
-          <a:prstGeom prst="straightConnector1">
-            <a:avLst/>
-          </a:prstGeom>
-          <a:ln w="38100">
-            <a:solidFill>
-              <a:schemeClr val="tx1"/>
-            </a:solidFill>
-            <a:tailEnd type="triangle"/>
-          </a:ln>
-        </p:spPr>
-        <p:style>
-          <a:lnRef idx="1">
-            <a:schemeClr val="accent1"/>
-          </a:lnRef>
-          <a:fillRef idx="0">
-            <a:schemeClr val="accent1"/>
-          </a:fillRef>
-          <a:effectRef idx="0">
-            <a:schemeClr val="accent1"/>
-          </a:effectRef>
-          <a:fontRef idx="minor">
-            <a:schemeClr val="tx1"/>
-          </a:fontRef>
-        </p:style>
-      </p:cxnSp>
-      <p:pic>
-        <p:nvPicPr>
-          <p:cNvPr id="2" name="Image 1"/>
-          <p:cNvPicPr>
-            <a:picLocks noChangeAspect="1"/>
-          </p:cNvPicPr>
-          <p:nvPr/>
-        </p:nvPicPr>
-        <p:blipFill>
-          <a:blip r:embed="rId4">
-            <a:extLst>
-              <a:ext uri="{28A0092B-C50C-407E-A947-70E740481C1C}">
-                <a14:useLocalDpi xmlns:a14="http://schemas.microsoft.com/office/drawing/2010/main" val="0"/>
-              </a:ext>
-            </a:extLst>
-          </a:blip>
-          <a:stretch>
-            <a:fillRect/>
-          </a:stretch>
-        </p:blipFill>
-        <p:spPr>
-          <a:xfrm>
-            <a:off x="7363205" y="4274974"/>
-            <a:ext cx="4151462" cy="2388293"/>
-          </a:xfrm>
-          <a:prstGeom prst="rect">
-            <a:avLst/>
-          </a:prstGeom>
-        </p:spPr>
-      </p:pic>
     </p:spTree>
     <p:custDataLst>
       <p:tags r:id="rId1"/>
     </p:custDataLst>
     <p:extLst>
       <p:ext uri="{BB962C8B-B14F-4D97-AF65-F5344CB8AC3E}">
-        <p14:creationId xmlns:p14="http://schemas.microsoft.com/office/powerpoint/2010/main" val="3597097328"/>
+        <p14:creationId xmlns:p14="http://schemas.microsoft.com/office/powerpoint/2010/main" val="1233008955"/>
       </p:ext>
     </p:extLst>
   </p:cSld>
@@ -4837,147 +4785,6 @@
                                         <p:cTn id="10" dur="500"/>
                                         <p:tgtEl>
                                           <p:spTgt spid="15"/>
-                                        </p:tgtEl>
-                                      </p:cBhvr>
-                                    </p:animEffect>
-                                  </p:childTnLst>
-                                </p:cTn>
-                              </p:par>
-                            </p:childTnLst>
-                          </p:cTn>
-                        </p:par>
-                      </p:childTnLst>
-                    </p:cTn>
-                  </p:par>
-                  <p:par>
-                    <p:cTn id="11" fill="hold">
-                      <p:stCondLst>
-                        <p:cond delay="indefinite"/>
-                      </p:stCondLst>
-                      <p:childTnLst>
-                        <p:par>
-                          <p:cTn id="12" fill="hold">
-                            <p:stCondLst>
-                              <p:cond delay="0"/>
-                            </p:stCondLst>
-                            <p:childTnLst>
-                              <p:par>
-                                <p:cTn id="13" presetID="10" presetClass="entr" presetSubtype="0" fill="hold" nodeType="clickEffect">
-                                  <p:stCondLst>
-                                    <p:cond delay="0"/>
-                                  </p:stCondLst>
-                                  <p:childTnLst>
-                                    <p:set>
-                                      <p:cBhvr>
-                                        <p:cTn id="14" dur="1" fill="hold">
-                                          <p:stCondLst>
-                                            <p:cond delay="0"/>
-                                          </p:stCondLst>
-                                        </p:cTn>
-                                        <p:tgtEl>
-                                          <p:spTgt spid="21"/>
-                                        </p:tgtEl>
-                                        <p:attrNameLst>
-                                          <p:attrName>style.visibility</p:attrName>
-                                        </p:attrNameLst>
-                                      </p:cBhvr>
-                                      <p:to>
-                                        <p:strVal val="visible"/>
-                                      </p:to>
-                                    </p:set>
-                                    <p:animEffect transition="in" filter="fade">
-                                      <p:cBhvr>
-                                        <p:cTn id="15" dur="500"/>
-                                        <p:tgtEl>
-                                          <p:spTgt spid="21"/>
-                                        </p:tgtEl>
-                                      </p:cBhvr>
-                                    </p:animEffect>
-                                  </p:childTnLst>
-                                </p:cTn>
-                              </p:par>
-                            </p:childTnLst>
-                          </p:cTn>
-                        </p:par>
-                      </p:childTnLst>
-                    </p:cTn>
-                  </p:par>
-                  <p:par>
-                    <p:cTn id="16" fill="hold">
-                      <p:stCondLst>
-                        <p:cond delay="indefinite"/>
-                      </p:stCondLst>
-                      <p:childTnLst>
-                        <p:par>
-                          <p:cTn id="17" fill="hold">
-                            <p:stCondLst>
-                              <p:cond delay="0"/>
-                            </p:stCondLst>
-                            <p:childTnLst>
-                              <p:par>
-                                <p:cTn id="18" presetID="10" presetClass="entr" presetSubtype="0" fill="hold" nodeType="clickEffect">
-                                  <p:stCondLst>
-                                    <p:cond delay="0"/>
-                                  </p:stCondLst>
-                                  <p:childTnLst>
-                                    <p:set>
-                                      <p:cBhvr>
-                                        <p:cTn id="19" dur="1" fill="hold">
-                                          <p:stCondLst>
-                                            <p:cond delay="0"/>
-                                          </p:stCondLst>
-                                        </p:cTn>
-                                        <p:tgtEl>
-                                          <p:spTgt spid="23"/>
-                                        </p:tgtEl>
-                                        <p:attrNameLst>
-                                          <p:attrName>style.visibility</p:attrName>
-                                        </p:attrNameLst>
-                                      </p:cBhvr>
-                                      <p:to>
-                                        <p:strVal val="visible"/>
-                                      </p:to>
-                                    </p:set>
-                                    <p:animEffect transition="in" filter="fade">
-                                      <p:cBhvr>
-                                        <p:cTn id="20" dur="500"/>
-                                        <p:tgtEl>
-                                          <p:spTgt spid="23"/>
-                                        </p:tgtEl>
-                                      </p:cBhvr>
-                                    </p:animEffect>
-                                  </p:childTnLst>
-                                </p:cTn>
-                              </p:par>
-                              <p:par>
-                                <p:cTn id="21" presetID="10" presetClass="entr" presetSubtype="0" fill="hold" nodeType="withEffect">
-                                  <p:stCondLst>
-                                    <p:cond delay="0"/>
-                                  </p:stCondLst>
-                                  <p:childTnLst>
-                                    <p:set>
-                                      <p:cBhvr>
-                                        <p:cTn id="22" dur="1" fill="hold">
-                                          <p:stCondLst>
-                                            <p:cond delay="0"/>
-                                          </p:stCondLst>
-                                        </p:cTn>
-                                        <p:tgtEl>
-                                          <p:spTgt spid="2"/>
-                                        </p:tgtEl>
-                                        <p:attrNameLst>
-                                          <p:attrName>style.visibility</p:attrName>
-                                        </p:attrNameLst>
-                                      </p:cBhvr>
-                                      <p:to>
-                                        <p:strVal val="visible"/>
-                                      </p:to>
-                                    </p:set>
-                                    <p:animEffect transition="in" filter="fade">
-                                      <p:cBhvr>
-                                        <p:cTn id="23" dur="500"/>
-                                        <p:tgtEl>
-                                          <p:spTgt spid="2"/>
                                         </p:tgtEl>
                                       </p:cBhvr>
                                     </p:animEffect>
@@ -5793,7 +5600,7 @@
         <p:spPr>
           <a:xfrm>
             <a:off x="2254311" y="765587"/>
-            <a:ext cx="7683377" cy="1200329"/>
+            <a:ext cx="7683377" cy="923330"/>
           </a:xfrm>
           <a:prstGeom prst="rect">
             <a:avLst/>
@@ -5808,12 +5615,12 @@
           <a:p>
             <a:pPr algn="ctr"/>
             <a:r>
-              <a:rPr lang="fr-FR" sz="7200" dirty="0" smtClean="0">
+              <a:rPr lang="fr-FR" sz="5400" dirty="0" smtClean="0">
                 <a:latin typeface="Bebas Neue" panose="020B0606020202050201" pitchFamily="34" charset="0"/>
               </a:rPr>
               <a:t>Analyse post-projet</a:t>
             </a:r>
-            <a:endParaRPr lang="fr-FR" sz="7200" dirty="0">
+            <a:endParaRPr lang="fr-FR" sz="5400" dirty="0">
               <a:latin typeface="Bebas Neue" panose="020B0606020202050201" pitchFamily="34" charset="0"/>
             </a:endParaRPr>
           </a:p>
@@ -5829,7 +5636,7 @@
         </p:nvSpPr>
         <p:spPr>
           <a:xfrm>
-            <a:off x="838200" y="2022851"/>
+            <a:off x="838200" y="3511662"/>
             <a:ext cx="10515600" cy="1325563"/>
           </a:xfrm>
           <a:prstGeom prst="rect">
@@ -5862,12 +5669,12 @@
           <a:p>
             <a:pPr algn="ctr"/>
             <a:r>
-              <a:rPr lang="fr-FR" b="1" dirty="0" smtClean="0">
+              <a:rPr lang="fr-FR" sz="3600" b="1" dirty="0" smtClean="0">
                 <a:latin typeface="Akzidenz-Grotesk BQ" pitchFamily="50" charset="0"/>
               </a:rPr>
               <a:t>Compétences renforcées</a:t>
             </a:r>
-            <a:endParaRPr lang="fr-FR" b="1" dirty="0">
+            <a:endParaRPr lang="fr-FR" sz="3600" b="1" dirty="0">
               <a:latin typeface="Akzidenz-Grotesk BQ" pitchFamily="50" charset="0"/>
             </a:endParaRPr>
           </a:p>
@@ -5881,8 +5688,8 @@
         </p:nvSpPr>
         <p:spPr>
           <a:xfrm>
-            <a:off x="1123617" y="3240149"/>
-            <a:ext cx="10108685" cy="2246769"/>
+            <a:off x="1123617" y="4524812"/>
+            <a:ext cx="10108685" cy="1815882"/>
           </a:xfrm>
           <a:prstGeom prst="rect">
             <a:avLst/>
@@ -5900,7 +5707,11 @@
             </a:pPr>
             <a:r>
               <a:rPr lang="fr-FR" sz="2800" dirty="0" smtClean="0"/>
-              <a:t>Communiquer avec un client ;</a:t>
+              <a:t>Utilisation de Linux/Unix</a:t>
+            </a:r>
+            <a:r>
+              <a:rPr lang="fr-FR" sz="2800" dirty="0" smtClean="0"/>
+              <a:t> ;</a:t>
             </a:r>
           </a:p>
           <a:p>
@@ -5910,7 +5721,23 @@
             </a:pPr>
             <a:r>
               <a:rPr lang="fr-FR" sz="2800" dirty="0" smtClean="0"/>
-              <a:t>Utiliser Django et son ORM ;</a:t>
+              <a:t>Utilisation de </a:t>
+            </a:r>
+            <a:r>
+              <a:rPr lang="fr-FR" sz="2800" dirty="0" err="1" smtClean="0"/>
+              <a:t>shell</a:t>
+            </a:r>
+            <a:r>
+              <a:rPr lang="fr-FR" sz="2800" dirty="0" smtClean="0"/>
+              <a:t>/</a:t>
+            </a:r>
+            <a:r>
+              <a:rPr lang="fr-FR" sz="2800" dirty="0" err="1" smtClean="0"/>
+              <a:t>bash</a:t>
+            </a:r>
+            <a:r>
+              <a:rPr lang="fr-FR" sz="2800" dirty="0" smtClean="0"/>
+              <a:t> ;</a:t>
             </a:r>
           </a:p>
           <a:p>
@@ -5920,16 +5747,17 @@
             </a:pPr>
             <a:r>
               <a:rPr lang="fr-FR" sz="2800" dirty="0" smtClean="0"/>
-              <a:t>Déployer sur </a:t>
+              <a:t>Configuration de </a:t>
             </a:r>
             <a:r>
               <a:rPr lang="fr-FR" sz="2800" dirty="0" err="1" smtClean="0"/>
-              <a:t>Heroku</a:t>
+              <a:t>Nginx</a:t>
             </a:r>
             <a:r>
               <a:rPr lang="fr-FR" sz="2800" dirty="0" smtClean="0"/>
               <a:t> ;</a:t>
             </a:r>
+            <a:endParaRPr lang="fr-FR" sz="2800" dirty="0" smtClean="0"/>
           </a:p>
           <a:p>
             <a:pPr marL="285750" indent="-285750">
@@ -5938,9 +5766,92 @@
             </a:pPr>
             <a:r>
               <a:rPr lang="fr-FR" sz="2800" dirty="0" smtClean="0"/>
-              <a:t>Structurer un projet ;</a:t>
-            </a:r>
-          </a:p>
+              <a:t>Déployer sur un serveur.</a:t>
+            </a:r>
+            <a:endParaRPr lang="fr-FR" sz="2800" dirty="0" smtClean="0"/>
+          </a:p>
+        </p:txBody>
+      </p:sp>
+      <p:sp>
+        <p:nvSpPr>
+          <p:cNvPr id="16" name="Titre 1"/>
+          <p:cNvSpPr txBox="1">
+            <a:spLocks/>
+          </p:cNvSpPr>
+          <p:nvPr/>
+        </p:nvSpPr>
+        <p:spPr>
+          <a:xfrm>
+            <a:off x="838200" y="1648055"/>
+            <a:ext cx="10515600" cy="1325563"/>
+          </a:xfrm>
+          <a:prstGeom prst="rect">
+            <a:avLst/>
+          </a:prstGeom>
+        </p:spPr>
+        <p:txBody>
+          <a:bodyPr vert="horz" lIns="91440" tIns="45720" rIns="91440" bIns="45720" rtlCol="0" anchor="ctr">
+            <a:normAutofit/>
+          </a:bodyPr>
+          <a:lstStyle>
+            <a:lvl1pPr algn="l" defTabSz="914400" rtl="0" eaLnBrk="1" latinLnBrk="0" hangingPunct="1">
+              <a:lnSpc>
+                <a:spcPct val="90000"/>
+              </a:lnSpc>
+              <a:spcBef>
+                <a:spcPct val="0"/>
+              </a:spcBef>
+              <a:buNone/>
+              <a:defRPr sz="4400" kern="1200">
+                <a:solidFill>
+                  <a:schemeClr val="tx1"/>
+                </a:solidFill>
+                <a:latin typeface="+mj-lt"/>
+                <a:ea typeface="+mj-ea"/>
+                <a:cs typeface="+mj-cs"/>
+              </a:defRPr>
+            </a:lvl1pPr>
+          </a:lstStyle>
+          <a:p>
+            <a:pPr algn="ctr"/>
+            <a:r>
+              <a:rPr lang="fr-FR" sz="3600" b="1" dirty="0" smtClean="0">
+                <a:latin typeface="Akzidenz-Grotesk BQ" pitchFamily="50" charset="0"/>
+              </a:rPr>
+              <a:t>Compétences </a:t>
+            </a:r>
+            <a:r>
+              <a:rPr lang="fr-FR" sz="3600" b="1" dirty="0" smtClean="0">
+                <a:latin typeface="Akzidenz-Grotesk BQ" pitchFamily="50" charset="0"/>
+              </a:rPr>
+              <a:t>acquises</a:t>
+            </a:r>
+            <a:endParaRPr lang="fr-FR" sz="3600" b="1" dirty="0">
+              <a:latin typeface="Akzidenz-Grotesk BQ" pitchFamily="50" charset="0"/>
+            </a:endParaRPr>
+          </a:p>
+        </p:txBody>
+      </p:sp>
+      <p:sp>
+        <p:nvSpPr>
+          <p:cNvPr id="17" name="Rectangle 16"/>
+          <p:cNvSpPr/>
+          <p:nvPr/>
+        </p:nvSpPr>
+        <p:spPr>
+          <a:xfrm>
+            <a:off x="1123617" y="2598418"/>
+            <a:ext cx="10108685" cy="954107"/>
+          </a:xfrm>
+          <a:prstGeom prst="rect">
+            <a:avLst/>
+          </a:prstGeom>
+        </p:spPr>
+        <p:txBody>
+          <a:bodyPr wrap="square">
+            <a:spAutoFit/>
+          </a:bodyPr>
+          <a:lstStyle/>
           <a:p>
             <a:pPr marL="285750" indent="-285750">
               <a:buFont typeface="Arial" panose="020B0604020202020204" pitchFamily="34" charset="0"/>
@@ -5948,7 +5859,41 @@
             </a:pPr>
             <a:r>
               <a:rPr lang="fr-FR" sz="2800" dirty="0" smtClean="0"/>
-              <a:t>Écrire de la doc.</a:t>
+              <a:t>Création de tâches </a:t>
+            </a:r>
+            <a:r>
+              <a:rPr lang="fr-FR" sz="2800" dirty="0" err="1" smtClean="0"/>
+              <a:t>Cron</a:t>
+            </a:r>
+            <a:r>
+              <a:rPr lang="fr-FR" sz="2800" dirty="0"/>
+              <a:t> </a:t>
+            </a:r>
+            <a:r>
+              <a:rPr lang="fr-FR" sz="2800" dirty="0" smtClean="0"/>
+              <a:t>;</a:t>
+            </a:r>
+          </a:p>
+          <a:p>
+            <a:pPr marL="285750" indent="-285750">
+              <a:buFont typeface="Arial" panose="020B0604020202020204" pitchFamily="34" charset="0"/>
+              <a:buChar char="•"/>
+            </a:pPr>
+            <a:r>
+              <a:rPr lang="fr-FR" sz="2800" dirty="0" smtClean="0"/>
+              <a:t>Utilisation de Travis, </a:t>
+            </a:r>
+            <a:r>
+              <a:rPr lang="fr-FR" sz="2800" dirty="0" err="1" smtClean="0"/>
+              <a:t>Sentry</a:t>
+            </a:r>
+            <a:r>
+              <a:rPr lang="fr-FR" sz="2800" dirty="0" smtClean="0"/>
+              <a:t>, </a:t>
+            </a:r>
+            <a:r>
+              <a:rPr lang="fr-FR" sz="2800" dirty="0" err="1" smtClean="0"/>
+              <a:t>Supervisor</a:t>
             </a:r>
             <a:endParaRPr lang="fr-FR" sz="2800" dirty="0"/>
           </a:p>
@@ -6006,7 +5951,7 @@
                                           </p:stCondLst>
                                         </p:cTn>
                                         <p:tgtEl>
-                                          <p:spTgt spid="14"/>
+                                          <p:spTgt spid="16"/>
                                         </p:tgtEl>
                                         <p:attrNameLst>
                                           <p:attrName>style.visibility</p:attrName>
@@ -6020,7 +5965,7 @@
                                       <p:cBhvr>
                                         <p:cTn id="7" dur="500"/>
                                         <p:tgtEl>
-                                          <p:spTgt spid="14"/>
+                                          <p:spTgt spid="16"/>
                                         </p:tgtEl>
                                       </p:cBhvr>
                                     </p:animEffect>
@@ -6041,6 +5986,94 @@
                                           </p:stCondLst>
                                         </p:cTn>
                                         <p:tgtEl>
+                                          <p:spTgt spid="17"/>
+                                        </p:tgtEl>
+                                        <p:attrNameLst>
+                                          <p:attrName>style.visibility</p:attrName>
+                                        </p:attrNameLst>
+                                      </p:cBhvr>
+                                      <p:to>
+                                        <p:strVal val="visible"/>
+                                      </p:to>
+                                    </p:set>
+                                    <p:animEffect transition="in" filter="fade">
+                                      <p:cBhvr>
+                                        <p:cTn id="10" dur="500"/>
+                                        <p:tgtEl>
+                                          <p:spTgt spid="17"/>
+                                        </p:tgtEl>
+                                      </p:cBhvr>
+                                    </p:animEffect>
+                                  </p:childTnLst>
+                                </p:cTn>
+                              </p:par>
+                            </p:childTnLst>
+                          </p:cTn>
+                        </p:par>
+                      </p:childTnLst>
+                    </p:cTn>
+                  </p:par>
+                  <p:par>
+                    <p:cTn id="11" fill="hold">
+                      <p:stCondLst>
+                        <p:cond delay="indefinite"/>
+                      </p:stCondLst>
+                      <p:childTnLst>
+                        <p:par>
+                          <p:cTn id="12" fill="hold">
+                            <p:stCondLst>
+                              <p:cond delay="0"/>
+                            </p:stCondLst>
+                            <p:childTnLst>
+                              <p:par>
+                                <p:cTn id="13" presetID="10" presetClass="entr" presetSubtype="0" fill="hold" grpId="0" nodeType="clickEffect">
+                                  <p:stCondLst>
+                                    <p:cond delay="0"/>
+                                  </p:stCondLst>
+                                  <p:childTnLst>
+                                    <p:set>
+                                      <p:cBhvr>
+                                        <p:cTn id="14" dur="1" fill="hold">
+                                          <p:stCondLst>
+                                            <p:cond delay="0"/>
+                                          </p:stCondLst>
+                                        </p:cTn>
+                                        <p:tgtEl>
+                                          <p:spTgt spid="14"/>
+                                        </p:tgtEl>
+                                        <p:attrNameLst>
+                                          <p:attrName>style.visibility</p:attrName>
+                                        </p:attrNameLst>
+                                      </p:cBhvr>
+                                      <p:to>
+                                        <p:strVal val="visible"/>
+                                      </p:to>
+                                    </p:set>
+                                    <p:animEffect transition="in" filter="fade">
+                                      <p:cBhvr>
+                                        <p:cTn id="15" dur="500"/>
+                                        <p:tgtEl>
+                                          <p:spTgt spid="14"/>
+                                        </p:tgtEl>
+                                      </p:cBhvr>
+                                    </p:animEffect>
+                                  </p:childTnLst>
+                                </p:cTn>
+                              </p:par>
+                              <p:par>
+                                <p:cTn id="16" presetID="10" presetClass="entr" presetSubtype="0" fill="hold" grpId="0" nodeType="withEffect">
+                                  <p:stCondLst>
+                                    <p:cond delay="0"/>
+                                  </p:stCondLst>
+                                  <p:childTnLst>
+                                    <p:set>
+                                      <p:cBhvr>
+                                        <p:cTn id="17" dur="1" fill="hold">
+                                          <p:stCondLst>
+                                            <p:cond delay="0"/>
+                                          </p:stCondLst>
+                                        </p:cTn>
+                                        <p:tgtEl>
                                           <p:spTgt spid="15"/>
                                         </p:tgtEl>
                                         <p:attrNameLst>
@@ -6053,7 +6086,7 @@
                                     </p:set>
                                     <p:animEffect transition="in" filter="fade">
                                       <p:cBhvr>
-                                        <p:cTn id="10" dur="500"/>
+                                        <p:cTn id="18" dur="500"/>
                                         <p:tgtEl>
                                           <p:spTgt spid="15"/>
                                         </p:tgtEl>
@@ -6092,6 +6125,8 @@
     <p:bldLst>
       <p:bldP spid="14" grpId="0"/>
       <p:bldP spid="15" grpId="0"/>
+      <p:bldP spid="16" grpId="0"/>
+      <p:bldP spid="17" grpId="0"/>
     </p:bldLst>
   </p:timing>
 </p:sld>
@@ -10423,7 +10458,6 @@
               <a:rPr lang="fr-FR" sz="2800" b="1" dirty="0" smtClean="0"/>
               <a:t>Machine principale</a:t>
             </a:r>
-            <a:endParaRPr lang="fr-FR" sz="2800" b="1" dirty="0" smtClean="0"/>
           </a:p>
           <a:p>
             <a:pPr marL="285750" indent="-285750">
@@ -10432,15 +10466,7 @@
             </a:pPr>
             <a:r>
               <a:rPr lang="fr-FR" sz="2800" dirty="0" smtClean="0"/>
-              <a:t>Machine </a:t>
-            </a:r>
-            <a:r>
-              <a:rPr lang="fr-FR" sz="2800" dirty="0" smtClean="0"/>
-              <a:t>sous Windows </a:t>
-            </a:r>
-            <a:r>
-              <a:rPr lang="fr-FR" sz="2800" dirty="0" smtClean="0"/>
-              <a:t>10</a:t>
+              <a:t>Machine sous Windows 10</a:t>
             </a:r>
             <a:r>
               <a:rPr lang="fr-FR" sz="2800" dirty="0"/>
@@ -10478,7 +10504,6 @@
               <a:rPr lang="fr-FR" sz="2800" b="1" dirty="0" smtClean="0"/>
               <a:t>Serveurs distants</a:t>
             </a:r>
-            <a:endParaRPr lang="fr-FR" sz="2800" b="1" dirty="0" smtClean="0"/>
           </a:p>
           <a:p>
             <a:pPr marL="285750" indent="-285750">
@@ -11659,7 +11684,6 @@
               <a:rPr lang="fr-FR" sz="2800" b="1" dirty="0" smtClean="0"/>
               <a:t>.</a:t>
             </a:r>
-            <a:endParaRPr lang="fr-FR" sz="2800" b="1" dirty="0" smtClean="0"/>
           </a:p>
         </p:txBody>
       </p:sp>
@@ -12586,13 +12610,26 @@
               <a:buChar char="•"/>
             </a:pPr>
             <a:r>
+              <a:rPr lang="fr-FR" sz="2800" dirty="0" smtClean="0"/>
+              <a:t>Suivre le </a:t>
+            </a:r>
+            <a:r>
               <a:rPr lang="fr-FR" sz="2800" b="1" dirty="0" smtClean="0"/>
-              <a:t>Discuter</a:t>
+              <a:t>cours</a:t>
             </a:r>
             <a:r>
               <a:rPr lang="fr-FR" sz="2800" dirty="0" smtClean="0"/>
-              <a:t> avec mon mentor (client) ;</a:t>
-            </a:r>
+              <a:t> </a:t>
+            </a:r>
+            <a:r>
+              <a:rPr lang="fr-FR" sz="2800" b="1" dirty="0" smtClean="0"/>
+              <a:t>OpenClassrooms</a:t>
+            </a:r>
+            <a:r>
+              <a:rPr lang="fr-FR" sz="2800" dirty="0" smtClean="0"/>
+              <a:t> associé ;</a:t>
+            </a:r>
+            <a:endParaRPr lang="fr-FR" sz="2800" dirty="0" smtClean="0"/>
           </a:p>
         </p:txBody>
       </p:sp>
@@ -12604,7 +12641,7 @@
         </p:nvSpPr>
         <p:spPr>
           <a:xfrm>
-            <a:off x="1123617" y="4047976"/>
+            <a:off x="1123617" y="4495530"/>
             <a:ext cx="6096000" cy="523220"/>
           </a:xfrm>
           <a:prstGeom prst="rect">
@@ -12622,12 +12659,32 @@
               <a:buChar char="•"/>
             </a:pPr>
             <a:r>
+              <a:rPr lang="fr-FR" sz="2800" dirty="0" smtClean="0"/>
+              <a:t>Déployer</a:t>
+            </a:r>
+            <a:r>
               <a:rPr lang="fr-FR" sz="2800" b="1" dirty="0" smtClean="0"/>
-              <a:t>Identifier</a:t>
+              <a:t> </a:t>
             </a:r>
             <a:r>
               <a:rPr lang="fr-FR" sz="2800" dirty="0" smtClean="0"/>
-              <a:t> les besoins ;</a:t>
+              <a:t>sur</a:t>
+            </a:r>
+            <a:r>
+              <a:rPr lang="fr-FR" sz="2800" b="1" dirty="0" smtClean="0"/>
+              <a:t> </a:t>
+            </a:r>
+            <a:r>
+              <a:rPr lang="fr-FR" sz="2800" b="1" dirty="0" err="1" smtClean="0"/>
+              <a:t>DigitalOcean</a:t>
+            </a:r>
+            <a:r>
+              <a:rPr lang="fr-FR" sz="2800" b="1" dirty="0" smtClean="0"/>
+              <a:t> </a:t>
+            </a:r>
+            <a:r>
+              <a:rPr lang="fr-FR" sz="2800" dirty="0" smtClean="0"/>
+              <a:t>;</a:t>
             </a:r>
             <a:endParaRPr lang="fr-FR" sz="2800" dirty="0"/>
           </a:p>
@@ -12641,7 +12698,7 @@
         </p:nvSpPr>
         <p:spPr>
           <a:xfrm>
-            <a:off x="1123617" y="4649417"/>
+            <a:off x="1123617" y="5096971"/>
             <a:ext cx="10429286" cy="523220"/>
           </a:xfrm>
           <a:prstGeom prst="rect">
@@ -12659,28 +12716,32 @@
               <a:buChar char="•"/>
             </a:pPr>
             <a:r>
+              <a:rPr lang="fr-FR" sz="2800" dirty="0" smtClean="0"/>
+              <a:t>Déployer</a:t>
+            </a:r>
+            <a:r>
               <a:rPr lang="fr-FR" sz="2800" b="1" dirty="0" smtClean="0"/>
-              <a:t>Créer</a:t>
+              <a:t> </a:t>
             </a:r>
             <a:r>
               <a:rPr lang="fr-FR" sz="2800" dirty="0" smtClean="0"/>
-              <a:t> les </a:t>
+              <a:t>sur</a:t>
             </a:r>
             <a:r>
               <a:rPr lang="fr-FR" sz="2800" b="1" dirty="0" smtClean="0"/>
-              <a:t>fonctionnalités</a:t>
+              <a:t> </a:t>
+            </a:r>
+            <a:r>
+              <a:rPr lang="fr-FR" sz="2800" b="1" dirty="0" err="1" smtClean="0"/>
+              <a:t>Raspberry</a:t>
+            </a:r>
+            <a:r>
+              <a:rPr lang="fr-FR" sz="2800" b="1" dirty="0" smtClean="0"/>
+              <a:t> Pi </a:t>
             </a:r>
             <a:r>
               <a:rPr lang="fr-FR" sz="2800" dirty="0" smtClean="0"/>
-              <a:t> et leur </a:t>
-            </a:r>
-            <a:r>
-              <a:rPr lang="fr-FR" sz="2800" b="1" dirty="0" smtClean="0"/>
-              <a:t>design</a:t>
-            </a:r>
-            <a:r>
-              <a:rPr lang="fr-FR" sz="2800" dirty="0" smtClean="0"/>
-              <a:t> ;</a:t>
+              <a:t>;</a:t>
             </a:r>
             <a:endParaRPr lang="fr-FR" sz="2800" dirty="0"/>
           </a:p>
@@ -12688,13 +12749,13 @@
       </p:sp>
       <p:sp>
         <p:nvSpPr>
-          <p:cNvPr id="17" name="Rectangle 16"/>
+          <p:cNvPr id="18" name="Rectangle 17"/>
           <p:cNvSpPr/>
           <p:nvPr/>
         </p:nvSpPr>
         <p:spPr>
           <a:xfrm>
-            <a:off x="1123617" y="5250858"/>
+            <a:off x="1123617" y="5698412"/>
             <a:ext cx="10429286" cy="523220"/>
           </a:xfrm>
           <a:prstGeom prst="rect">
@@ -12713,17 +12774,62 @@
             </a:pPr>
             <a:r>
               <a:rPr lang="fr-FR" sz="2800" dirty="0" smtClean="0"/>
-              <a:t>Créer/modifier les </a:t>
+              <a:t>Mise en place du </a:t>
             </a:r>
             <a:r>
               <a:rPr lang="fr-FR" sz="2800" b="1" dirty="0" smtClean="0"/>
-              <a:t>tests</a:t>
-            </a:r>
+              <a:t>monitoring.</a:t>
+            </a:r>
+            <a:endParaRPr lang="fr-FR" sz="2800" dirty="0"/>
+          </a:p>
+        </p:txBody>
+      </p:sp>
+      <p:sp>
+        <p:nvSpPr>
+          <p:cNvPr id="22" name="Rectangle 21"/>
+          <p:cNvSpPr/>
+          <p:nvPr/>
+        </p:nvSpPr>
+        <p:spPr>
+          <a:xfrm>
+            <a:off x="1123617" y="3969755"/>
+            <a:ext cx="10108685" cy="523220"/>
+          </a:xfrm>
+          <a:prstGeom prst="rect">
+            <a:avLst/>
+          </a:prstGeom>
+        </p:spPr>
+        <p:txBody>
+          <a:bodyPr wrap="square">
+            <a:spAutoFit/>
+          </a:bodyPr>
+          <a:lstStyle/>
+          <a:p>
+            <a:pPr marL="285750" indent="-285750">
+              <a:buFont typeface="Arial" panose="020B0604020202020204" pitchFamily="34" charset="0"/>
+              <a:buChar char="•"/>
+            </a:pPr>
             <a:r>
               <a:rPr lang="fr-FR" sz="2800" dirty="0" smtClean="0"/>
-              <a:t>.</a:t>
-            </a:r>
-            <a:endParaRPr lang="fr-FR" sz="2800" dirty="0"/>
+              <a:t>Mise en place </a:t>
+            </a:r>
+            <a:r>
+              <a:rPr lang="fr-FR" sz="2800" b="1" dirty="0" smtClean="0"/>
+              <a:t>IC</a:t>
+            </a:r>
+            <a:r>
+              <a:rPr lang="fr-FR" sz="2800" dirty="0" smtClean="0"/>
+              <a:t> avec </a:t>
+            </a:r>
+            <a:r>
+              <a:rPr lang="fr-FR" sz="2800" b="1" dirty="0" smtClean="0"/>
+              <a:t>Travis</a:t>
+            </a:r>
+            <a:r>
+              <a:rPr lang="fr-FR" sz="2800" dirty="0" smtClean="0"/>
+              <a:t> ;</a:t>
+            </a:r>
+            <a:endParaRPr lang="fr-FR" sz="2800" dirty="0" smtClean="0"/>
           </a:p>
         </p:txBody>
       </p:sp>
@@ -12838,7 +12944,7 @@
                                           </p:stCondLst>
                                         </p:cTn>
                                         <p:tgtEl>
-                                          <p:spTgt spid="2"/>
+                                          <p:spTgt spid="22"/>
                                         </p:tgtEl>
                                         <p:attrNameLst>
                                           <p:attrName>style.visibility</p:attrName>
@@ -12852,7 +12958,7 @@
                                       <p:cBhvr>
                                         <p:cTn id="12" dur="500"/>
                                         <p:tgtEl>
-                                          <p:spTgt spid="2"/>
+                                          <p:spTgt spid="22"/>
                                         </p:tgtEl>
                                       </p:cBhvr>
                                     </p:animEffect>
@@ -12891,7 +12997,7 @@
                                           </p:stCondLst>
                                         </p:cTn>
                                         <p:tgtEl>
-                                          <p:spTgt spid="13"/>
+                                          <p:spTgt spid="2"/>
                                         </p:tgtEl>
                                         <p:attrNameLst>
                                           <p:attrName>style.visibility</p:attrName>
@@ -12905,7 +13011,7 @@
                                       <p:cBhvr>
                                         <p:cTn id="17" dur="500"/>
                                         <p:tgtEl>
-                                          <p:spTgt spid="13"/>
+                                          <p:spTgt spid="2"/>
                                         </p:tgtEl>
                                       </p:cBhvr>
                                     </p:animEffect>
@@ -12944,7 +13050,7 @@
                                           </p:stCondLst>
                                         </p:cTn>
                                         <p:tgtEl>
-                                          <p:spTgt spid="17"/>
+                                          <p:spTgt spid="13"/>
                                         </p:tgtEl>
                                         <p:attrNameLst>
                                           <p:attrName>style.visibility</p:attrName>
@@ -12958,7 +13064,60 @@
                                       <p:cBhvr>
                                         <p:cTn id="22" dur="500"/>
                                         <p:tgtEl>
-                                          <p:spTgt spid="17"/>
+                                          <p:spTgt spid="13"/>
+                                        </p:tgtEl>
+                                      </p:cBhvr>
+                                    </p:animEffect>
+                                  </p:childTnLst>
+                                </p:cTn>
+                              </p:par>
+                            </p:childTnLst>
+                          </p:cTn>
+                        </p:par>
+                      </p:childTnLst>
+                    </p:cTn>
+                  </p:par>
+                  <p:par>
+                    <p:cTn id="23" fill="hold">
+                      <p:stCondLst>
+                        <p:cond delay="indefinite"/>
+                      </p:stCondLst>
+                      <p:childTnLst>
+                        <p:par>
+                          <p:cTn id="24" fill="hold">
+                            <p:stCondLst>
+                              <p:cond delay="0"/>
+                            </p:stCondLst>
+                            <p:childTnLst>
+                              <p:par>
+                                <p:cTn id="25" presetID="10" presetClass="entr" presetSubtype="0" fill="hold" grpId="0" nodeType="clickEffect">
+                                  <p:stCondLst>
+                                    <p:cond delay="0"/>
+                                  </p:stCondLst>
+                                  <p:childTnLst>
+                                    <p:set>
+                                      <p:cBhvr>
+                                        <p:cTn id="26" dur="1" fill="hold">
+                                          <p:stCondLst>
+                                            <p:cond delay="0"/>
+                                          </p:stCondLst>
+                                        </p:cTn>
+                                        <p:tgtEl>
+                                          <p:spTgt spid="18"/>
+                                        </p:tgtEl>
+                                        <p:attrNameLst>
+                                          <p:attrName>style.visibility</p:attrName>
+                                        </p:attrNameLst>
+                                      </p:cBhvr>
+                                      <p:to>
+                                        <p:strVal val="visible"/>
+                                      </p:to>
+                                    </p:set>
+                                    <p:animEffect transition="in" filter="fade">
+                                      <p:cBhvr>
+                                        <p:cTn id="27" dur="500"/>
+                                        <p:tgtEl>
+                                          <p:spTgt spid="18"/>
                                         </p:tgtEl>
                                       </p:cBhvr>
                                     </p:animEffect>
@@ -12996,7 +13155,8 @@
       <p:bldP spid="16" grpId="0"/>
       <p:bldP spid="2" grpId="0"/>
       <p:bldP spid="13" grpId="0"/>
-      <p:bldP spid="17" grpId="0"/>
+      <p:bldP spid="18" grpId="0"/>
+      <p:bldP spid="22" grpId="0"/>
     </p:bldLst>
   </p:timing>
 </p:sld>
@@ -13021,100 +13181,145 @@
       </p:grpSpPr>
       <p:sp>
         <p:nvSpPr>
+          <p:cNvPr id="18" name="Rectangle 17"/>
+          <p:cNvSpPr/>
+          <p:nvPr/>
+        </p:nvSpPr>
+        <p:spPr>
+          <a:xfrm>
+            <a:off x="5882449" y="3751097"/>
+            <a:ext cx="3667636" cy="1862666"/>
+          </a:xfrm>
+          <a:prstGeom prst="rect">
+            <a:avLst/>
+          </a:prstGeom>
+          <a:solidFill>
+            <a:schemeClr val="accent6"/>
+          </a:solidFill>
+          <a:ln>
+            <a:noFill/>
+          </a:ln>
+        </p:spPr>
+        <p:style>
+          <a:lnRef idx="2">
+            <a:schemeClr val="accent1">
+              <a:shade val="50000"/>
+            </a:schemeClr>
+          </a:lnRef>
+          <a:fillRef idx="1">
+            <a:schemeClr val="accent1"/>
+          </a:fillRef>
+          <a:effectRef idx="0">
+            <a:schemeClr val="accent1"/>
+          </a:effectRef>
+          <a:fontRef idx="minor">
+            <a:schemeClr val="lt1"/>
+          </a:fontRef>
+        </p:style>
+        <p:txBody>
+          <a:bodyPr rtlCol="0" anchor="ctr"/>
+          <a:lstStyle/>
+          <a:p>
+            <a:pPr algn="ctr"/>
+            <a:endParaRPr lang="fr-FR" dirty="0"/>
+          </a:p>
+        </p:txBody>
+      </p:sp>
+      <p:sp>
+        <p:nvSpPr>
+          <p:cNvPr id="17" name="Rectangle 16"/>
+          <p:cNvSpPr/>
+          <p:nvPr/>
+        </p:nvSpPr>
+        <p:spPr>
+          <a:xfrm>
+            <a:off x="5882449" y="1057192"/>
+            <a:ext cx="3667636" cy="1862666"/>
+          </a:xfrm>
+          <a:prstGeom prst="rect">
+            <a:avLst/>
+          </a:prstGeom>
+          <a:ln>
+            <a:noFill/>
+          </a:ln>
+        </p:spPr>
+        <p:style>
+          <a:lnRef idx="2">
+            <a:schemeClr val="accent1">
+              <a:shade val="50000"/>
+            </a:schemeClr>
+          </a:lnRef>
+          <a:fillRef idx="1">
+            <a:schemeClr val="accent1"/>
+          </a:fillRef>
+          <a:effectRef idx="0">
+            <a:schemeClr val="accent1"/>
+          </a:effectRef>
+          <a:fontRef idx="minor">
+            <a:schemeClr val="lt1"/>
+          </a:fontRef>
+        </p:style>
+        <p:txBody>
+          <a:bodyPr rtlCol="0" anchor="ctr"/>
+          <a:lstStyle/>
+          <a:p>
+            <a:pPr algn="ctr"/>
+            <a:endParaRPr lang="fr-FR"/>
+          </a:p>
+        </p:txBody>
+      </p:sp>
+      <p:sp>
+        <p:nvSpPr>
+          <p:cNvPr id="46" name="Rectangle 45"/>
+          <p:cNvSpPr/>
+          <p:nvPr/>
+        </p:nvSpPr>
+        <p:spPr>
+          <a:xfrm>
+            <a:off x="6002528" y="1612100"/>
+            <a:ext cx="1541272" cy="644116"/>
+          </a:xfrm>
+          <a:prstGeom prst="rect">
+            <a:avLst/>
+          </a:prstGeom>
+          <a:solidFill>
+            <a:schemeClr val="accent1">
+              <a:lumMod val="20000"/>
+              <a:lumOff val="80000"/>
+            </a:schemeClr>
+          </a:solidFill>
+          <a:ln>
+            <a:noFill/>
+          </a:ln>
+        </p:spPr>
+        <p:style>
+          <a:lnRef idx="2">
+            <a:schemeClr val="accent1">
+              <a:shade val="50000"/>
+            </a:schemeClr>
+          </a:lnRef>
+          <a:fillRef idx="1">
+            <a:schemeClr val="accent1"/>
+          </a:fillRef>
+          <a:effectRef idx="0">
+            <a:schemeClr val="accent1"/>
+          </a:effectRef>
+          <a:fontRef idx="minor">
+            <a:schemeClr val="lt1"/>
+          </a:fontRef>
+        </p:style>
+        <p:txBody>
+          <a:bodyPr rtlCol="0" anchor="ctr"/>
+          <a:lstStyle/>
+          <a:p>
+            <a:pPr algn="ctr"/>
+            <a:endParaRPr lang="fr-FR"/>
+          </a:p>
+        </p:txBody>
+      </p:sp>
+      <p:sp>
+        <p:nvSpPr>
           <p:cNvPr id="4" name="Rectangle 3"/>
-          <p:cNvSpPr/>
-          <p:nvPr/>
-        </p:nvSpPr>
-        <p:spPr>
-          <a:xfrm>
-            <a:off x="838199" y="2043857"/>
-            <a:ext cx="10786534" cy="523220"/>
-          </a:xfrm>
-          <a:prstGeom prst="rect">
-            <a:avLst/>
-          </a:prstGeom>
-        </p:spPr>
-        <p:txBody>
-          <a:bodyPr wrap="square">
-            <a:spAutoFit/>
-          </a:bodyPr>
-          <a:lstStyle/>
-          <a:p>
-            <a:pPr marL="285750" indent="-285750">
-              <a:buFont typeface="Arial" panose="020B0604020202020204" pitchFamily="34" charset="0"/>
-              <a:buChar char="•"/>
-            </a:pPr>
-            <a:r>
-              <a:rPr lang="fr-FR" sz="2800" b="1" dirty="0" smtClean="0"/>
-              <a:t>Adapter la pagination à tous les écrans</a:t>
-            </a:r>
-            <a:r>
-              <a:rPr lang="fr-FR" sz="2800" dirty="0" smtClean="0"/>
-              <a:t>.</a:t>
-            </a:r>
-          </a:p>
-        </p:txBody>
-      </p:sp>
-      <p:sp>
-        <p:nvSpPr>
-          <p:cNvPr id="5" name="Titre 1"/>
-          <p:cNvSpPr txBox="1">
-            <a:spLocks/>
-          </p:cNvSpPr>
-          <p:nvPr/>
-        </p:nvSpPr>
-        <p:spPr>
-          <a:xfrm>
-            <a:off x="838200" y="864445"/>
-            <a:ext cx="10515600" cy="1325563"/>
-          </a:xfrm>
-          <a:prstGeom prst="rect">
-            <a:avLst/>
-          </a:prstGeom>
-        </p:spPr>
-        <p:txBody>
-          <a:bodyPr vert="horz" lIns="91440" tIns="45720" rIns="91440" bIns="45720" rtlCol="0" anchor="ctr">
-            <a:normAutofit/>
-          </a:bodyPr>
-          <a:lstStyle>
-            <a:lvl1pPr algn="l" defTabSz="914400" rtl="0" eaLnBrk="1" latinLnBrk="0" hangingPunct="1">
-              <a:lnSpc>
-                <a:spcPct val="90000"/>
-              </a:lnSpc>
-              <a:spcBef>
-                <a:spcPct val="0"/>
-              </a:spcBef>
-              <a:buNone/>
-              <a:defRPr sz="4400" kern="1200">
-                <a:solidFill>
-                  <a:schemeClr val="tx1"/>
-                </a:solidFill>
-                <a:latin typeface="+mj-lt"/>
-                <a:ea typeface="+mj-ea"/>
-                <a:cs typeface="+mj-cs"/>
-              </a:defRPr>
-            </a:lvl1pPr>
-          </a:lstStyle>
-          <a:p>
-            <a:r>
-              <a:rPr lang="fr-FR" b="1" dirty="0" smtClean="0">
-                <a:solidFill>
-                  <a:schemeClr val="accent4"/>
-                </a:solidFill>
-              </a:rPr>
-              <a:t>Difficulté rencontrée</a:t>
-            </a:r>
-            <a:endParaRPr lang="fr-FR" b="1" dirty="0">
-              <a:solidFill>
-                <a:schemeClr val="accent4"/>
-              </a:solidFill>
-            </a:endParaRPr>
-          </a:p>
-        </p:txBody>
-      </p:sp>
-      <p:sp>
-        <p:nvSpPr>
-          <p:cNvPr id="6" name="Rectangle 5"/>
           <p:cNvSpPr/>
           <p:nvPr/>
         </p:nvSpPr>
@@ -13166,7 +13371,7 @@
       </p:sp>
       <p:sp>
         <p:nvSpPr>
-          <p:cNvPr id="7" name="Arrondir un rectangle avec un coin diagonal 6"/>
+          <p:cNvPr id="5" name="Arrondir un rectangle avec un coin diagonal 4"/>
           <p:cNvSpPr/>
           <p:nvPr/>
         </p:nvSpPr>
@@ -13220,7 +13425,7 @@
       </p:sp>
       <p:sp>
         <p:nvSpPr>
-          <p:cNvPr id="8" name="Arrondir un rectangle avec un coin diagonal 7"/>
+          <p:cNvPr id="6" name="Arrondir un rectangle avec un coin diagonal 5"/>
           <p:cNvSpPr/>
           <p:nvPr/>
         </p:nvSpPr>
@@ -13233,9 +13438,7 @@
             <a:avLst/>
           </a:prstGeom>
           <a:solidFill>
-            <a:schemeClr val="bg1">
-              <a:lumMod val="85000"/>
-            </a:schemeClr>
+            <a:schemeClr val="bg1"/>
           </a:solidFill>
           <a:ln>
             <a:noFill/>
@@ -13274,7 +13477,7 @@
       </p:sp>
       <p:sp>
         <p:nvSpPr>
-          <p:cNvPr id="9" name="ZoneTexte 8"/>
+          <p:cNvPr id="7" name="ZoneTexte 6"/>
           <p:cNvSpPr txBox="1"/>
           <p:nvPr/>
         </p:nvSpPr>
@@ -13294,55 +13497,6 @@
           </a:bodyPr>
           <a:lstStyle/>
           <a:p>
-            <a:r>
-              <a:rPr lang="fr-FR" b="1" dirty="0" smtClean="0">
-                <a:solidFill>
-                  <a:schemeClr val="bg1"/>
-                </a:solidFill>
-                <a:latin typeface="Segoe UI" panose="020B0502040204020203" pitchFamily="34" charset="0"/>
-                <a:ea typeface="Segoe UI" panose="020B0502040204020203" pitchFamily="34" charset="0"/>
-                <a:cs typeface="Segoe UI" panose="020B0502040204020203" pitchFamily="34" charset="0"/>
-              </a:rPr>
-              <a:t>Pré-projet</a:t>
-            </a:r>
-            <a:endParaRPr lang="fr-FR" b="1" dirty="0">
-              <a:solidFill>
-                <a:schemeClr val="bg1"/>
-              </a:solidFill>
-              <a:latin typeface="Segoe UI" panose="020B0502040204020203" pitchFamily="34" charset="0"/>
-              <a:ea typeface="Segoe UI" panose="020B0502040204020203" pitchFamily="34" charset="0"/>
-              <a:cs typeface="Segoe UI" panose="020B0502040204020203" pitchFamily="34" charset="0"/>
-            </a:endParaRPr>
-          </a:p>
-        </p:txBody>
-      </p:sp>
-      <p:sp>
-        <p:nvSpPr>
-          <p:cNvPr id="10" name="ZoneTexte 9"/>
-          <p:cNvSpPr txBox="1"/>
-          <p:nvPr/>
-        </p:nvSpPr>
-        <p:spPr>
-          <a:xfrm>
-            <a:off x="6784527" y="119616"/>
-            <a:ext cx="1669311" cy="369332"/>
-          </a:xfrm>
-          <a:prstGeom prst="rect">
-            <a:avLst/>
-          </a:prstGeom>
-          <a:noFill/>
-        </p:spPr>
-        <p:txBody>
-          <a:bodyPr wrap="square" rtlCol="0">
-            <a:spAutoFit/>
-          </a:bodyPr>
-          <a:lstStyle/>
-          <a:p>
-            <a:pPr>
-              <a:tabLst>
-                <a:tab pos="177800" algn="l"/>
-              </a:tabLst>
-            </a:pPr>
             <a:r>
               <a:rPr lang="fr-FR" b="1" dirty="0" smtClean="0">
                 <a:solidFill>
@@ -13354,7 +13508,7 @@
                 <a:ea typeface="Segoe UI" panose="020B0502040204020203" pitchFamily="34" charset="0"/>
                 <a:cs typeface="Segoe UI" panose="020B0502040204020203" pitchFamily="34" charset="0"/>
               </a:rPr>
-              <a:t>Mise en place</a:t>
+              <a:t>Pré-projet</a:t>
             </a:r>
             <a:endParaRPr lang="fr-FR" b="1" dirty="0">
               <a:solidFill>
@@ -13371,7 +13525,56 @@
       </p:sp>
       <p:sp>
         <p:nvSpPr>
-          <p:cNvPr id="11" name="ZoneTexte 10"/>
+          <p:cNvPr id="8" name="ZoneTexte 7"/>
+          <p:cNvSpPr txBox="1"/>
+          <p:nvPr/>
+        </p:nvSpPr>
+        <p:spPr>
+          <a:xfrm>
+            <a:off x="6784527" y="119616"/>
+            <a:ext cx="1669311" cy="369332"/>
+          </a:xfrm>
+          <a:prstGeom prst="rect">
+            <a:avLst/>
+          </a:prstGeom>
+          <a:noFill/>
+        </p:spPr>
+        <p:txBody>
+          <a:bodyPr wrap="square" rtlCol="0">
+            <a:spAutoFit/>
+          </a:bodyPr>
+          <a:lstStyle/>
+          <a:p>
+            <a:pPr>
+              <a:tabLst>
+                <a:tab pos="177800" algn="l"/>
+              </a:tabLst>
+            </a:pPr>
+            <a:r>
+              <a:rPr lang="fr-FR" b="1" dirty="0" smtClean="0">
+                <a:solidFill>
+                  <a:schemeClr val="bg1"/>
+                </a:solidFill>
+                <a:latin typeface="Segoe UI" panose="020B0502040204020203" pitchFamily="34" charset="0"/>
+                <a:ea typeface="Segoe UI" panose="020B0502040204020203" pitchFamily="34" charset="0"/>
+                <a:cs typeface="Segoe UI" panose="020B0502040204020203" pitchFamily="34" charset="0"/>
+              </a:rPr>
+              <a:t>Mise en place</a:t>
+            </a:r>
+            <a:endParaRPr lang="fr-FR" b="1" dirty="0">
+              <a:solidFill>
+                <a:schemeClr val="bg1"/>
+              </a:solidFill>
+              <a:latin typeface="Segoe UI" panose="020B0502040204020203" pitchFamily="34" charset="0"/>
+              <a:ea typeface="Segoe UI" panose="020B0502040204020203" pitchFamily="34" charset="0"/>
+              <a:cs typeface="Segoe UI" panose="020B0502040204020203" pitchFamily="34" charset="0"/>
+            </a:endParaRPr>
+          </a:p>
+        </p:txBody>
+      </p:sp>
+      <p:sp>
+        <p:nvSpPr>
+          <p:cNvPr id="9" name="ZoneTexte 8"/>
           <p:cNvSpPr txBox="1"/>
           <p:nvPr/>
         </p:nvSpPr>
@@ -13419,7 +13622,7 @@
       </p:sp>
       <p:sp>
         <p:nvSpPr>
-          <p:cNvPr id="12" name="Pentagone 11"/>
+          <p:cNvPr id="10" name="Pentagone 9"/>
           <p:cNvSpPr/>
           <p:nvPr/>
         </p:nvSpPr>
@@ -13476,7 +13679,7 @@
       </p:sp>
       <p:sp>
         <p:nvSpPr>
-          <p:cNvPr id="13" name="ZoneTexte 12"/>
+          <p:cNvPr id="11" name="ZoneTexte 10"/>
           <p:cNvSpPr txBox="1"/>
           <p:nvPr/>
         </p:nvSpPr>
@@ -13524,20 +13727,23 @@
       </p:sp>
       <p:sp>
         <p:nvSpPr>
-          <p:cNvPr id="14" name="Arrondir un rectangle avec un coin diagonal 13"/>
+          <p:cNvPr id="85" name="Rectangle 84"/>
           <p:cNvSpPr/>
           <p:nvPr/>
         </p:nvSpPr>
         <p:spPr>
           <a:xfrm>
-            <a:off x="4505977" y="247189"/>
-            <a:ext cx="99717" cy="119062"/>
-          </a:xfrm>
-          <a:prstGeom prst="round2DiagRect">
+            <a:off x="6002528" y="4275684"/>
+            <a:ext cx="1541272" cy="644116"/>
+          </a:xfrm>
+          <a:prstGeom prst="rect">
             <a:avLst/>
           </a:prstGeom>
           <a:solidFill>
-            <a:schemeClr val="bg1"/>
+            <a:schemeClr val="accent1">
+              <a:lumMod val="20000"/>
+              <a:lumOff val="80000"/>
+            </a:schemeClr>
           </a:solidFill>
           <a:ln>
             <a:noFill/>
@@ -13560,6 +13766,54 @@
           </a:fontRef>
         </p:style>
         <p:txBody>
+          <a:bodyPr rtlCol="0" anchor="ctr"/>
+          <a:lstStyle/>
+          <a:p>
+            <a:pPr algn="ctr"/>
+            <a:endParaRPr lang="fr-FR"/>
+          </a:p>
+        </p:txBody>
+      </p:sp>
+      <p:sp>
+        <p:nvSpPr>
+          <p:cNvPr id="12" name="Arrondir un rectangle avec un coin diagonal 11"/>
+          <p:cNvSpPr/>
+          <p:nvPr/>
+        </p:nvSpPr>
+        <p:spPr>
+          <a:xfrm>
+            <a:off x="4505977" y="247189"/>
+            <a:ext cx="99717" cy="119062"/>
+          </a:xfrm>
+          <a:prstGeom prst="round2DiagRect">
+            <a:avLst/>
+          </a:prstGeom>
+          <a:solidFill>
+            <a:schemeClr val="bg1">
+              <a:lumMod val="85000"/>
+            </a:schemeClr>
+          </a:solidFill>
+          <a:ln>
+            <a:noFill/>
+          </a:ln>
+        </p:spPr>
+        <p:style>
+          <a:lnRef idx="2">
+            <a:schemeClr val="accent1">
+              <a:shade val="50000"/>
+            </a:schemeClr>
+          </a:lnRef>
+          <a:fillRef idx="1">
+            <a:schemeClr val="accent1"/>
+          </a:fillRef>
+          <a:effectRef idx="0">
+            <a:schemeClr val="accent1"/>
+          </a:effectRef>
+          <a:fontRef idx="minor">
+            <a:schemeClr val="lt1"/>
+          </a:fontRef>
+        </p:style>
+        <p:txBody>
           <a:bodyPr anchor="ctr"/>
           <a:lstStyle/>
           <a:p>
@@ -13576,136 +13830,817 @@
       </p:sp>
       <p:sp>
         <p:nvSpPr>
-          <p:cNvPr id="15" name="Rectangle 14"/>
+          <p:cNvPr id="19" name="Rectangle 18"/>
           <p:cNvSpPr/>
           <p:nvPr/>
         </p:nvSpPr>
         <p:spPr>
           <a:xfrm>
-            <a:off x="838199" y="3986401"/>
-            <a:ext cx="10108685" cy="523220"/>
+            <a:off x="2855222" y="2777067"/>
+            <a:ext cx="2046978" cy="1473200"/>
           </a:xfrm>
           <a:prstGeom prst="rect">
             <a:avLst/>
           </a:prstGeom>
-        </p:spPr>
-        <p:txBody>
-          <a:bodyPr wrap="square">
+          <a:solidFill>
+            <a:schemeClr val="bg2">
+              <a:lumMod val="90000"/>
+            </a:schemeClr>
+          </a:solidFill>
+          <a:ln>
+            <a:noFill/>
+          </a:ln>
+        </p:spPr>
+        <p:style>
+          <a:lnRef idx="2">
+            <a:schemeClr val="accent1">
+              <a:shade val="50000"/>
+            </a:schemeClr>
+          </a:lnRef>
+          <a:fillRef idx="1">
+            <a:schemeClr val="accent1"/>
+          </a:fillRef>
+          <a:effectRef idx="0">
+            <a:schemeClr val="accent1"/>
+          </a:effectRef>
+          <a:fontRef idx="minor">
+            <a:schemeClr val="lt1"/>
+          </a:fontRef>
+        </p:style>
+        <p:txBody>
+          <a:bodyPr rtlCol="0" anchor="ctr"/>
+          <a:lstStyle/>
+          <a:p>
+            <a:pPr algn="ctr"/>
+            <a:endParaRPr lang="fr-FR"/>
+          </a:p>
+        </p:txBody>
+      </p:sp>
+      <p:sp>
+        <p:nvSpPr>
+          <p:cNvPr id="20" name="Rectangle 19"/>
+          <p:cNvSpPr/>
+          <p:nvPr/>
+        </p:nvSpPr>
+        <p:spPr>
+          <a:xfrm>
+            <a:off x="2855222" y="4929601"/>
+            <a:ext cx="2046978" cy="1473200"/>
+          </a:xfrm>
+          <a:prstGeom prst="rect">
+            <a:avLst/>
+          </a:prstGeom>
+          <a:solidFill>
+            <a:schemeClr val="accent4"/>
+          </a:solidFill>
+          <a:ln>
+            <a:noFill/>
+          </a:ln>
+        </p:spPr>
+        <p:style>
+          <a:lnRef idx="2">
+            <a:schemeClr val="accent1">
+              <a:shade val="50000"/>
+            </a:schemeClr>
+          </a:lnRef>
+          <a:fillRef idx="1">
+            <a:schemeClr val="accent1"/>
+          </a:fillRef>
+          <a:effectRef idx="0">
+            <a:schemeClr val="accent1"/>
+          </a:effectRef>
+          <a:fontRef idx="minor">
+            <a:schemeClr val="lt1"/>
+          </a:fontRef>
+        </p:style>
+        <p:txBody>
+          <a:bodyPr rtlCol="0" anchor="ctr"/>
+          <a:lstStyle/>
+          <a:p>
+            <a:pPr algn="ctr"/>
+            <a:endParaRPr lang="fr-FR"/>
+          </a:p>
+        </p:txBody>
+      </p:sp>
+      <p:sp>
+        <p:nvSpPr>
+          <p:cNvPr id="21" name="Rectangle 20"/>
+          <p:cNvSpPr/>
+          <p:nvPr/>
+        </p:nvSpPr>
+        <p:spPr>
+          <a:xfrm>
+            <a:off x="423331" y="2777067"/>
+            <a:ext cx="1451641" cy="1473200"/>
+          </a:xfrm>
+          <a:prstGeom prst="rect">
+            <a:avLst/>
+          </a:prstGeom>
+          <a:solidFill>
+            <a:schemeClr val="accent2"/>
+          </a:solidFill>
+          <a:ln>
+            <a:noFill/>
+          </a:ln>
+        </p:spPr>
+        <p:style>
+          <a:lnRef idx="2">
+            <a:schemeClr val="accent1">
+              <a:shade val="50000"/>
+            </a:schemeClr>
+          </a:lnRef>
+          <a:fillRef idx="1">
+            <a:schemeClr val="accent1"/>
+          </a:fillRef>
+          <a:effectRef idx="0">
+            <a:schemeClr val="accent1"/>
+          </a:effectRef>
+          <a:fontRef idx="minor">
+            <a:schemeClr val="lt1"/>
+          </a:fontRef>
+        </p:style>
+        <p:txBody>
+          <a:bodyPr rtlCol="0" anchor="ctr"/>
+          <a:lstStyle/>
+          <a:p>
+            <a:pPr algn="ctr"/>
+            <a:endParaRPr lang="fr-FR"/>
+          </a:p>
+        </p:txBody>
+      </p:sp>
+      <p:sp>
+        <p:nvSpPr>
+          <p:cNvPr id="22" name="ZoneTexte 21"/>
+          <p:cNvSpPr txBox="1"/>
+          <p:nvPr/>
+        </p:nvSpPr>
+        <p:spPr>
+          <a:xfrm>
+            <a:off x="9033597" y="5213653"/>
+            <a:ext cx="516488" cy="400110"/>
+          </a:xfrm>
+          <a:prstGeom prst="rect">
+            <a:avLst/>
+          </a:prstGeom>
+          <a:noFill/>
+        </p:spPr>
+        <p:txBody>
+          <a:bodyPr wrap="none" rtlCol="0">
             <a:spAutoFit/>
           </a:bodyPr>
           <a:lstStyle/>
           <a:p>
-            <a:pPr marL="285750" indent="-285750">
-              <a:buFont typeface="Arial" panose="020B0604020202020204" pitchFamily="34" charset="0"/>
-              <a:buChar char="•"/>
-            </a:pPr>
-            <a:r>
-              <a:rPr lang="fr-FR" sz="2800" dirty="0" smtClean="0"/>
-              <a:t>Suivre des fils </a:t>
-            </a:r>
-            <a:r>
-              <a:rPr lang="fr-FR" sz="2800" dirty="0" err="1" smtClean="0"/>
-              <a:t>StackOverflow</a:t>
-            </a:r>
-            <a:r>
-              <a:rPr lang="fr-FR" sz="2800" dirty="0" smtClean="0"/>
-              <a:t> et </a:t>
-            </a:r>
-            <a:r>
-              <a:rPr lang="fr-FR" sz="2800" b="1" dirty="0" smtClean="0"/>
-              <a:t>adapter</a:t>
-            </a:r>
-            <a:r>
-              <a:rPr lang="fr-FR" sz="2800" dirty="0" smtClean="0"/>
-              <a:t> les </a:t>
-            </a:r>
-            <a:r>
-              <a:rPr lang="fr-FR" sz="2800" dirty="0" err="1" smtClean="0"/>
-              <a:t>presets</a:t>
-            </a:r>
-            <a:r>
-              <a:rPr lang="fr-FR" sz="2800" dirty="0" smtClean="0"/>
-              <a:t> </a:t>
-            </a:r>
-            <a:r>
-              <a:rPr lang="fr-FR" sz="2800" dirty="0" err="1" smtClean="0"/>
-              <a:t>Bootstrap</a:t>
-            </a:r>
-            <a:r>
-              <a:rPr lang="fr-FR" sz="2800" b="1" dirty="0" smtClean="0"/>
-              <a:t>.</a:t>
-            </a:r>
-            <a:endParaRPr lang="fr-FR" sz="2800" dirty="0" smtClean="0"/>
-          </a:p>
-        </p:txBody>
-      </p:sp>
-      <p:sp>
-        <p:nvSpPr>
-          <p:cNvPr id="16" name="Titre 1"/>
-          <p:cNvSpPr txBox="1">
-            <a:spLocks/>
-          </p:cNvSpPr>
-          <p:nvPr/>
-        </p:nvSpPr>
-        <p:spPr>
-          <a:xfrm>
-            <a:off x="838200" y="2828687"/>
-            <a:ext cx="10515600" cy="1325563"/>
-          </a:xfrm>
-          <a:prstGeom prst="rect">
-            <a:avLst/>
-          </a:prstGeom>
-        </p:spPr>
-        <p:txBody>
-          <a:bodyPr vert="horz" lIns="91440" tIns="45720" rIns="91440" bIns="45720" rtlCol="0" anchor="ctr">
-            <a:normAutofit/>
-          </a:bodyPr>
-          <a:lstStyle>
-            <a:lvl1pPr algn="l" defTabSz="914400" rtl="0" eaLnBrk="1" latinLnBrk="0" hangingPunct="1">
-              <a:lnSpc>
-                <a:spcPct val="90000"/>
-              </a:lnSpc>
-              <a:spcBef>
-                <a:spcPct val="0"/>
-              </a:spcBef>
-              <a:buNone/>
-              <a:defRPr sz="4400" kern="1200">
+            <a:r>
+              <a:rPr lang="fr-FR" sz="2000" dirty="0" err="1" smtClean="0">
                 <a:solidFill>
-                  <a:schemeClr val="tx1"/>
-                </a:solidFill>
-                <a:latin typeface="+mj-lt"/>
-                <a:ea typeface="+mj-ea"/>
-                <a:cs typeface="+mj-cs"/>
-              </a:defRPr>
-            </a:lvl1pPr>
-          </a:lstStyle>
-          <a:p>
-            <a:r>
-              <a:rPr lang="fr-FR" b="1" dirty="0" smtClean="0">
-                <a:solidFill>
-                  <a:schemeClr val="accent6"/>
+                  <a:schemeClr val="bg1"/>
                 </a:solidFill>
               </a:rPr>
-              <a:t>Solution apportée</a:t>
-            </a:r>
-            <a:endParaRPr lang="fr-FR" b="1" dirty="0">
+              <a:t>RPi</a:t>
+            </a:r>
+            <a:endParaRPr lang="fr-FR" sz="2000" dirty="0">
               <a:solidFill>
-                <a:schemeClr val="accent6"/>
+                <a:schemeClr val="bg1"/>
               </a:solidFill>
             </a:endParaRPr>
           </a:p>
         </p:txBody>
       </p:sp>
+      <p:sp>
+        <p:nvSpPr>
+          <p:cNvPr id="23" name="ZoneTexte 22"/>
+          <p:cNvSpPr txBox="1"/>
+          <p:nvPr/>
+        </p:nvSpPr>
+        <p:spPr>
+          <a:xfrm>
+            <a:off x="8030890" y="2519748"/>
+            <a:ext cx="1569725" cy="400110"/>
+          </a:xfrm>
+          <a:prstGeom prst="rect">
+            <a:avLst/>
+          </a:prstGeom>
+          <a:noFill/>
+        </p:spPr>
+        <p:txBody>
+          <a:bodyPr wrap="none" rtlCol="0">
+            <a:spAutoFit/>
+          </a:bodyPr>
+          <a:lstStyle/>
+          <a:p>
+            <a:r>
+              <a:rPr lang="fr-FR" sz="2000" dirty="0" err="1" smtClean="0">
+                <a:solidFill>
+                  <a:schemeClr val="bg1"/>
+                </a:solidFill>
+              </a:rPr>
+              <a:t>DigitalOcean</a:t>
+            </a:r>
+            <a:endParaRPr lang="fr-FR" sz="2000" dirty="0">
+              <a:solidFill>
+                <a:schemeClr val="bg1"/>
+              </a:solidFill>
+            </a:endParaRPr>
+          </a:p>
+        </p:txBody>
+      </p:sp>
+      <p:sp>
+        <p:nvSpPr>
+          <p:cNvPr id="26" name="ZoneTexte 25"/>
+          <p:cNvSpPr txBox="1"/>
+          <p:nvPr/>
+        </p:nvSpPr>
+        <p:spPr>
+          <a:xfrm>
+            <a:off x="4402398" y="3850157"/>
+            <a:ext cx="492443" cy="400110"/>
+          </a:xfrm>
+          <a:prstGeom prst="rect">
+            <a:avLst/>
+          </a:prstGeom>
+          <a:noFill/>
+        </p:spPr>
+        <p:txBody>
+          <a:bodyPr wrap="none" rtlCol="0">
+            <a:spAutoFit/>
+          </a:bodyPr>
+          <a:lstStyle/>
+          <a:p>
+            <a:r>
+              <a:rPr lang="fr-FR" sz="2000" dirty="0" smtClean="0">
+                <a:solidFill>
+                  <a:schemeClr val="bg1"/>
+                </a:solidFill>
+              </a:rPr>
+              <a:t>Git</a:t>
+            </a:r>
+            <a:endParaRPr lang="fr-FR" sz="2000" dirty="0">
+              <a:solidFill>
+                <a:schemeClr val="bg1"/>
+              </a:solidFill>
+            </a:endParaRPr>
+          </a:p>
+        </p:txBody>
+      </p:sp>
+      <p:sp>
+        <p:nvSpPr>
+          <p:cNvPr id="68" name="Rectangle 67"/>
+          <p:cNvSpPr/>
+          <p:nvPr/>
+        </p:nvSpPr>
+        <p:spPr>
+          <a:xfrm>
+            <a:off x="6002528" y="2360187"/>
+            <a:ext cx="1541272" cy="451464"/>
+          </a:xfrm>
+          <a:prstGeom prst="rect">
+            <a:avLst/>
+          </a:prstGeom>
+          <a:solidFill>
+            <a:schemeClr val="accent1">
+              <a:lumMod val="20000"/>
+              <a:lumOff val="80000"/>
+            </a:schemeClr>
+          </a:solidFill>
+          <a:ln>
+            <a:noFill/>
+          </a:ln>
+        </p:spPr>
+        <p:style>
+          <a:lnRef idx="2">
+            <a:schemeClr val="accent1">
+              <a:shade val="50000"/>
+            </a:schemeClr>
+          </a:lnRef>
+          <a:fillRef idx="1">
+            <a:schemeClr val="accent1"/>
+          </a:fillRef>
+          <a:effectRef idx="0">
+            <a:schemeClr val="accent1"/>
+          </a:effectRef>
+          <a:fontRef idx="minor">
+            <a:schemeClr val="lt1"/>
+          </a:fontRef>
+        </p:style>
+        <p:txBody>
+          <a:bodyPr rtlCol="0" anchor="ctr"/>
+          <a:lstStyle/>
+          <a:p>
+            <a:pPr algn="ctr"/>
+            <a:endParaRPr lang="fr-FR"/>
+          </a:p>
+        </p:txBody>
+      </p:sp>
+      <p:sp>
+        <p:nvSpPr>
+          <p:cNvPr id="27" name="ZoneTexte 26"/>
+          <p:cNvSpPr txBox="1"/>
+          <p:nvPr/>
+        </p:nvSpPr>
+        <p:spPr>
+          <a:xfrm>
+            <a:off x="4128975" y="6002691"/>
+            <a:ext cx="773225" cy="400110"/>
+          </a:xfrm>
+          <a:prstGeom prst="rect">
+            <a:avLst/>
+          </a:prstGeom>
+          <a:noFill/>
+        </p:spPr>
+        <p:txBody>
+          <a:bodyPr wrap="none" rtlCol="0">
+            <a:spAutoFit/>
+          </a:bodyPr>
+          <a:lstStyle/>
+          <a:p>
+            <a:r>
+              <a:rPr lang="fr-FR" sz="2000" dirty="0" smtClean="0">
+                <a:solidFill>
+                  <a:schemeClr val="bg1"/>
+                </a:solidFill>
+              </a:rPr>
+              <a:t>Travis</a:t>
+            </a:r>
+            <a:endParaRPr lang="fr-FR" sz="2000" dirty="0">
+              <a:solidFill>
+                <a:schemeClr val="bg1"/>
+              </a:solidFill>
+            </a:endParaRPr>
+          </a:p>
+        </p:txBody>
+      </p:sp>
+      <p:sp>
+        <p:nvSpPr>
+          <p:cNvPr id="28" name="ZoneTexte 27"/>
+          <p:cNvSpPr txBox="1"/>
+          <p:nvPr/>
+        </p:nvSpPr>
+        <p:spPr>
+          <a:xfrm>
+            <a:off x="1158623" y="3850157"/>
+            <a:ext cx="716350" cy="400110"/>
+          </a:xfrm>
+          <a:prstGeom prst="rect">
+            <a:avLst/>
+          </a:prstGeom>
+          <a:noFill/>
+        </p:spPr>
+        <p:txBody>
+          <a:bodyPr wrap="none" rtlCol="0">
+            <a:spAutoFit/>
+          </a:bodyPr>
+          <a:lstStyle/>
+          <a:p>
+            <a:r>
+              <a:rPr lang="fr-FR" sz="2000" dirty="0" smtClean="0">
+                <a:solidFill>
+                  <a:schemeClr val="bg1"/>
+                </a:solidFill>
+              </a:rPr>
+              <a:t>Local</a:t>
+            </a:r>
+            <a:endParaRPr lang="fr-FR" sz="2000" dirty="0">
+              <a:solidFill>
+                <a:schemeClr val="bg1"/>
+              </a:solidFill>
+            </a:endParaRPr>
+          </a:p>
+        </p:txBody>
+      </p:sp>
+      <p:sp>
+        <p:nvSpPr>
+          <p:cNvPr id="29" name="Rectangle 28"/>
+          <p:cNvSpPr/>
+          <p:nvPr/>
+        </p:nvSpPr>
+        <p:spPr>
+          <a:xfrm>
+            <a:off x="10102919" y="2708820"/>
+            <a:ext cx="1687932" cy="1473200"/>
+          </a:xfrm>
+          <a:prstGeom prst="rect">
+            <a:avLst/>
+          </a:prstGeom>
+          <a:solidFill>
+            <a:srgbClr val="7030A0"/>
+          </a:solidFill>
+          <a:ln>
+            <a:noFill/>
+          </a:ln>
+        </p:spPr>
+        <p:style>
+          <a:lnRef idx="2">
+            <a:schemeClr val="accent1">
+              <a:shade val="50000"/>
+            </a:schemeClr>
+          </a:lnRef>
+          <a:fillRef idx="1">
+            <a:schemeClr val="accent1"/>
+          </a:fillRef>
+          <a:effectRef idx="0">
+            <a:schemeClr val="accent1"/>
+          </a:effectRef>
+          <a:fontRef idx="minor">
+            <a:schemeClr val="lt1"/>
+          </a:fontRef>
+        </p:style>
+        <p:txBody>
+          <a:bodyPr rtlCol="0" anchor="ctr"/>
+          <a:lstStyle/>
+          <a:p>
+            <a:pPr algn="ctr"/>
+            <a:endParaRPr lang="fr-FR"/>
+          </a:p>
+        </p:txBody>
+      </p:sp>
+      <p:sp>
+        <p:nvSpPr>
+          <p:cNvPr id="67" name="Rectangle 66"/>
+          <p:cNvSpPr/>
+          <p:nvPr/>
+        </p:nvSpPr>
+        <p:spPr>
+          <a:xfrm>
+            <a:off x="7877130" y="1884913"/>
+            <a:ext cx="1541272" cy="604459"/>
+          </a:xfrm>
+          <a:prstGeom prst="rect">
+            <a:avLst/>
+          </a:prstGeom>
+          <a:solidFill>
+            <a:schemeClr val="accent1">
+              <a:lumMod val="20000"/>
+              <a:lumOff val="80000"/>
+            </a:schemeClr>
+          </a:solidFill>
+          <a:ln>
+            <a:noFill/>
+          </a:ln>
+        </p:spPr>
+        <p:style>
+          <a:lnRef idx="2">
+            <a:schemeClr val="accent1">
+              <a:shade val="50000"/>
+            </a:schemeClr>
+          </a:lnRef>
+          <a:fillRef idx="1">
+            <a:schemeClr val="accent1"/>
+          </a:fillRef>
+          <a:effectRef idx="0">
+            <a:schemeClr val="accent1"/>
+          </a:effectRef>
+          <a:fontRef idx="minor">
+            <a:schemeClr val="lt1"/>
+          </a:fontRef>
+        </p:style>
+        <p:txBody>
+          <a:bodyPr rtlCol="0" anchor="ctr"/>
+          <a:lstStyle/>
+          <a:p>
+            <a:pPr algn="ctr"/>
+            <a:endParaRPr lang="fr-FR"/>
+          </a:p>
+        </p:txBody>
+      </p:sp>
+      <p:sp>
+        <p:nvSpPr>
+          <p:cNvPr id="30" name="ZoneTexte 29"/>
+          <p:cNvSpPr txBox="1"/>
+          <p:nvPr/>
+        </p:nvSpPr>
+        <p:spPr>
+          <a:xfrm>
+            <a:off x="10934013" y="3781910"/>
+            <a:ext cx="856838" cy="400110"/>
+          </a:xfrm>
+          <a:prstGeom prst="rect">
+            <a:avLst/>
+          </a:prstGeom>
+          <a:noFill/>
+        </p:spPr>
+        <p:txBody>
+          <a:bodyPr wrap="none" rtlCol="0">
+            <a:spAutoFit/>
+          </a:bodyPr>
+          <a:lstStyle/>
+          <a:p>
+            <a:r>
+              <a:rPr lang="fr-FR" sz="2000" dirty="0" err="1" smtClean="0">
+                <a:solidFill>
+                  <a:schemeClr val="bg1"/>
+                </a:solidFill>
+              </a:rPr>
+              <a:t>Sentry</a:t>
+            </a:r>
+            <a:endParaRPr lang="fr-FR" sz="2000" dirty="0">
+              <a:solidFill>
+                <a:schemeClr val="bg1"/>
+              </a:solidFill>
+            </a:endParaRPr>
+          </a:p>
+        </p:txBody>
+      </p:sp>
+      <p:cxnSp>
+        <p:nvCxnSpPr>
+          <p:cNvPr id="32" name="Connecteur en angle 31"/>
+          <p:cNvCxnSpPr>
+            <a:stCxn id="19" idx="0"/>
+            <a:endCxn id="17" idx="1"/>
+          </p:cNvCxnSpPr>
+          <p:nvPr/>
+        </p:nvCxnSpPr>
+        <p:spPr>
+          <a:xfrm rot="5400000" flipH="1" flipV="1">
+            <a:off x="4486309" y="1380927"/>
+            <a:ext cx="788542" cy="2003738"/>
+          </a:xfrm>
+          <a:prstGeom prst="bentConnector2">
+            <a:avLst/>
+          </a:prstGeom>
+          <a:ln w="38100">
+            <a:solidFill>
+              <a:schemeClr val="tx1"/>
+            </a:solidFill>
+            <a:headEnd type="triangle" w="med" len="med"/>
+            <a:tailEnd type="triangle" w="med" len="med"/>
+          </a:ln>
+        </p:spPr>
+        <p:style>
+          <a:lnRef idx="1">
+            <a:schemeClr val="accent1"/>
+          </a:lnRef>
+          <a:fillRef idx="0">
+            <a:schemeClr val="accent1"/>
+          </a:fillRef>
+          <a:effectRef idx="0">
+            <a:schemeClr val="accent1"/>
+          </a:effectRef>
+          <a:fontRef idx="minor">
+            <a:schemeClr val="tx1"/>
+          </a:fontRef>
+        </p:style>
+      </p:cxnSp>
+      <p:cxnSp>
+        <p:nvCxnSpPr>
+          <p:cNvPr id="34" name="Connecteur en angle 33"/>
+          <p:cNvCxnSpPr>
+            <a:stCxn id="19" idx="3"/>
+            <a:endCxn id="18" idx="0"/>
+          </p:cNvCxnSpPr>
+          <p:nvPr/>
+        </p:nvCxnSpPr>
+        <p:spPr>
+          <a:xfrm>
+            <a:off x="4902200" y="3513667"/>
+            <a:ext cx="2814067" cy="237430"/>
+          </a:xfrm>
+          <a:prstGeom prst="bentConnector2">
+            <a:avLst/>
+          </a:prstGeom>
+          <a:ln w="38100">
+            <a:solidFill>
+              <a:schemeClr val="tx1"/>
+            </a:solidFill>
+            <a:headEnd type="triangle" w="med" len="med"/>
+            <a:tailEnd type="triangle" w="med" len="med"/>
+          </a:ln>
+        </p:spPr>
+        <p:style>
+          <a:lnRef idx="1">
+            <a:schemeClr val="accent1"/>
+          </a:lnRef>
+          <a:fillRef idx="0">
+            <a:schemeClr val="accent1"/>
+          </a:fillRef>
+          <a:effectRef idx="0">
+            <a:schemeClr val="accent1"/>
+          </a:effectRef>
+          <a:fontRef idx="minor">
+            <a:schemeClr val="tx1"/>
+          </a:fontRef>
+        </p:style>
+      </p:cxnSp>
+      <p:cxnSp>
+        <p:nvCxnSpPr>
+          <p:cNvPr id="36" name="Connecteur droit avec flèche 35"/>
+          <p:cNvCxnSpPr>
+            <a:stCxn id="21" idx="3"/>
+            <a:endCxn id="19" idx="1"/>
+          </p:cNvCxnSpPr>
+          <p:nvPr/>
+        </p:nvCxnSpPr>
+        <p:spPr>
+          <a:xfrm>
+            <a:off x="1874972" y="3513667"/>
+            <a:ext cx="980250" cy="0"/>
+          </a:xfrm>
+          <a:prstGeom prst="straightConnector1">
+            <a:avLst/>
+          </a:prstGeom>
+          <a:ln w="38100">
+            <a:solidFill>
+              <a:schemeClr val="tx1"/>
+            </a:solidFill>
+            <a:tailEnd type="triangle"/>
+          </a:ln>
+        </p:spPr>
+        <p:style>
+          <a:lnRef idx="1">
+            <a:schemeClr val="accent1"/>
+          </a:lnRef>
+          <a:fillRef idx="0">
+            <a:schemeClr val="accent1"/>
+          </a:fillRef>
+          <a:effectRef idx="0">
+            <a:schemeClr val="accent1"/>
+          </a:effectRef>
+          <a:fontRef idx="minor">
+            <a:schemeClr val="tx1"/>
+          </a:fontRef>
+        </p:style>
+      </p:cxnSp>
+      <p:sp>
+        <p:nvSpPr>
+          <p:cNvPr id="64" name="Rectangle 63"/>
+          <p:cNvSpPr/>
+          <p:nvPr/>
+        </p:nvSpPr>
+        <p:spPr>
+          <a:xfrm>
+            <a:off x="7877130" y="1218342"/>
+            <a:ext cx="1541272" cy="604459"/>
+          </a:xfrm>
+          <a:prstGeom prst="rect">
+            <a:avLst/>
+          </a:prstGeom>
+          <a:solidFill>
+            <a:schemeClr val="accent1">
+              <a:lumMod val="20000"/>
+              <a:lumOff val="80000"/>
+            </a:schemeClr>
+          </a:solidFill>
+          <a:ln>
+            <a:noFill/>
+          </a:ln>
+        </p:spPr>
+        <p:style>
+          <a:lnRef idx="2">
+            <a:schemeClr val="accent1">
+              <a:shade val="50000"/>
+            </a:schemeClr>
+          </a:lnRef>
+          <a:fillRef idx="1">
+            <a:schemeClr val="accent1"/>
+          </a:fillRef>
+          <a:effectRef idx="0">
+            <a:schemeClr val="accent1"/>
+          </a:effectRef>
+          <a:fontRef idx="minor">
+            <a:schemeClr val="lt1"/>
+          </a:fontRef>
+        </p:style>
+        <p:txBody>
+          <a:bodyPr rtlCol="0" anchor="ctr"/>
+          <a:lstStyle/>
+          <a:p>
+            <a:pPr algn="ctr"/>
+            <a:endParaRPr lang="fr-FR"/>
+          </a:p>
+        </p:txBody>
+      </p:sp>
+      <p:cxnSp>
+        <p:nvCxnSpPr>
+          <p:cNvPr id="38" name="Connecteur droit avec flèche 37"/>
+          <p:cNvCxnSpPr>
+            <a:stCxn id="19" idx="2"/>
+            <a:endCxn id="20" idx="0"/>
+          </p:cNvCxnSpPr>
+          <p:nvPr/>
+        </p:nvCxnSpPr>
+        <p:spPr>
+          <a:xfrm>
+            <a:off x="3878711" y="4250267"/>
+            <a:ext cx="0" cy="679334"/>
+          </a:xfrm>
+          <a:prstGeom prst="straightConnector1">
+            <a:avLst/>
+          </a:prstGeom>
+          <a:ln w="38100">
+            <a:solidFill>
+              <a:schemeClr val="tx1"/>
+            </a:solidFill>
+            <a:prstDash val="sysDot"/>
+            <a:headEnd type="triangle"/>
+            <a:tailEnd type="triangle"/>
+          </a:ln>
+        </p:spPr>
+        <p:style>
+          <a:lnRef idx="1">
+            <a:schemeClr val="accent1"/>
+          </a:lnRef>
+          <a:fillRef idx="0">
+            <a:schemeClr val="accent1"/>
+          </a:fillRef>
+          <a:effectRef idx="0">
+            <a:schemeClr val="accent1"/>
+          </a:effectRef>
+          <a:fontRef idx="minor">
+            <a:schemeClr val="tx1"/>
+          </a:fontRef>
+        </p:style>
+      </p:cxnSp>
+      <p:cxnSp>
+        <p:nvCxnSpPr>
+          <p:cNvPr id="40" name="Connecteur en angle 39"/>
+          <p:cNvCxnSpPr>
+            <a:stCxn id="17" idx="3"/>
+            <a:endCxn id="29" idx="0"/>
+          </p:cNvCxnSpPr>
+          <p:nvPr/>
+        </p:nvCxnSpPr>
+        <p:spPr>
+          <a:xfrm>
+            <a:off x="9550085" y="1988525"/>
+            <a:ext cx="1396800" cy="720295"/>
+          </a:xfrm>
+          <a:prstGeom prst="bentConnector2">
+            <a:avLst/>
+          </a:prstGeom>
+          <a:ln w="38100">
+            <a:solidFill>
+              <a:schemeClr val="tx1"/>
+            </a:solidFill>
+            <a:prstDash val="sysDot"/>
+            <a:headEnd type="triangle"/>
+            <a:tailEnd type="triangle"/>
+          </a:ln>
+        </p:spPr>
+        <p:style>
+          <a:lnRef idx="1">
+            <a:schemeClr val="accent1"/>
+          </a:lnRef>
+          <a:fillRef idx="0">
+            <a:schemeClr val="accent1"/>
+          </a:fillRef>
+          <a:effectRef idx="0">
+            <a:schemeClr val="accent1"/>
+          </a:effectRef>
+          <a:fontRef idx="minor">
+            <a:schemeClr val="tx1"/>
+          </a:fontRef>
+        </p:style>
+      </p:cxnSp>
+      <p:cxnSp>
+        <p:nvCxnSpPr>
+          <p:cNvPr id="42" name="Connecteur en angle 41"/>
+          <p:cNvCxnSpPr>
+            <a:stCxn id="18" idx="3"/>
+            <a:endCxn id="29" idx="2"/>
+          </p:cNvCxnSpPr>
+          <p:nvPr/>
+        </p:nvCxnSpPr>
+        <p:spPr>
+          <a:xfrm flipV="1">
+            <a:off x="9550085" y="4182020"/>
+            <a:ext cx="1396800" cy="500410"/>
+          </a:xfrm>
+          <a:prstGeom prst="bentConnector2">
+            <a:avLst/>
+          </a:prstGeom>
+          <a:ln w="38100">
+            <a:solidFill>
+              <a:schemeClr val="tx1"/>
+            </a:solidFill>
+            <a:prstDash val="sysDot"/>
+            <a:headEnd type="triangle"/>
+            <a:tailEnd type="triangle"/>
+          </a:ln>
+        </p:spPr>
+        <p:style>
+          <a:lnRef idx="1">
+            <a:schemeClr val="accent1"/>
+          </a:lnRef>
+          <a:fillRef idx="0">
+            <a:schemeClr val="accent1"/>
+          </a:fillRef>
+          <a:effectRef idx="0">
+            <a:schemeClr val="accent1"/>
+          </a:effectRef>
+          <a:fontRef idx="minor">
+            <a:schemeClr val="tx1"/>
+          </a:fontRef>
+        </p:style>
+      </p:cxnSp>
       <p:pic>
         <p:nvPicPr>
-          <p:cNvPr id="2" name="Image 1"/>
+          <p:cNvPr id="43" name="Image 42"/>
           <p:cNvPicPr>
             <a:picLocks noChangeAspect="1"/>
           </p:cNvPicPr>
           <p:nvPr/>
         </p:nvPicPr>
         <p:blipFill>
-          <a:blip r:embed="rId3">
+          <a:blip r:embed="rId3" cstate="print">
             <a:extLst>
               <a:ext uri="{28A0092B-C50C-407E-A947-70E740481C1C}">
                 <a14:useLocalDpi xmlns:a14="http://schemas.microsoft.com/office/drawing/2010/main" val="0"/>
@@ -13718,8 +14653,8 @@
         </p:blipFill>
         <p:spPr>
           <a:xfrm>
-            <a:off x="1226585" y="4965063"/>
-            <a:ext cx="2791215" cy="1533739"/>
+            <a:off x="7978554" y="1361476"/>
+            <a:ext cx="1338424" cy="307880"/>
           </a:xfrm>
           <a:prstGeom prst="rect">
             <a:avLst/>
@@ -13728,14 +14663,14 @@
       </p:pic>
       <p:pic>
         <p:nvPicPr>
-          <p:cNvPr id="3" name="Image 2"/>
+          <p:cNvPr id="44" name="Image 43"/>
           <p:cNvPicPr>
             <a:picLocks noChangeAspect="1"/>
           </p:cNvPicPr>
           <p:nvPr/>
         </p:nvPicPr>
         <p:blipFill>
-          <a:blip r:embed="rId4">
+          <a:blip r:embed="rId4" cstate="print">
             <a:extLst>
               <a:ext uri="{28A0092B-C50C-407E-A947-70E740481C1C}">
                 <a14:useLocalDpi xmlns:a14="http://schemas.microsoft.com/office/drawing/2010/main" val="0"/>
@@ -13748,8 +14683,8 @@
         </p:blipFill>
         <p:spPr>
           <a:xfrm>
-            <a:off x="6365364" y="4965063"/>
-            <a:ext cx="3019846" cy="571580"/>
+            <a:off x="6335858" y="1686978"/>
+            <a:ext cx="822138" cy="501111"/>
           </a:xfrm>
           <a:prstGeom prst="rect">
             <a:avLst/>
@@ -13758,14 +14693,14 @@
       </p:pic>
       <p:sp>
         <p:nvSpPr>
-          <p:cNvPr id="17" name="ZoneTexte 16"/>
+          <p:cNvPr id="45" name="ZoneTexte 44"/>
           <p:cNvSpPr txBox="1"/>
           <p:nvPr/>
         </p:nvSpPr>
         <p:spPr>
           <a:xfrm>
-            <a:off x="3096325" y="6129470"/>
-            <a:ext cx="739370" cy="369332"/>
+            <a:off x="6089465" y="1150284"/>
+            <a:ext cx="1390124" cy="369332"/>
           </a:xfrm>
           <a:prstGeom prst="rect">
             <a:avLst/>
@@ -13779,23 +14714,381 @@
           <a:lstStyle/>
           <a:p>
             <a:r>
-              <a:rPr lang="fr-FR" b="1" dirty="0" smtClean="0"/>
-              <a:t>Avant</a:t>
-            </a:r>
-            <a:endParaRPr lang="fr-FR" b="1" dirty="0"/>
-          </a:p>
-        </p:txBody>
-      </p:sp>
-      <p:sp>
-        <p:nvSpPr>
-          <p:cNvPr id="18" name="ZoneTexte 17"/>
+              <a:rPr lang="fr-FR" b="1" dirty="0" err="1" smtClean="0">
+                <a:latin typeface="Arial" panose="020B0604020202020204" pitchFamily="34" charset="0"/>
+                <a:cs typeface="Arial" panose="020B0604020202020204" pitchFamily="34" charset="0"/>
+              </a:rPr>
+              <a:t>Supervisor</a:t>
+            </a:r>
+            <a:endParaRPr lang="fr-FR" b="1" dirty="0">
+              <a:latin typeface="Arial" panose="020B0604020202020204" pitchFamily="34" charset="0"/>
+              <a:cs typeface="Arial" panose="020B0604020202020204" pitchFamily="34" charset="0"/>
+            </a:endParaRPr>
+          </a:p>
+        </p:txBody>
+      </p:sp>
+      <p:pic>
+        <p:nvPicPr>
+          <p:cNvPr id="60" name="Image 59"/>
+          <p:cNvPicPr>
+            <a:picLocks noChangeAspect="1"/>
+          </p:cNvPicPr>
+          <p:nvPr/>
+        </p:nvPicPr>
+        <p:blipFill>
+          <a:blip r:embed="rId5" cstate="print">
+            <a:extLst>
+              <a:ext uri="{28A0092B-C50C-407E-A947-70E740481C1C}">
+                <a14:useLocalDpi xmlns:a14="http://schemas.microsoft.com/office/drawing/2010/main" val="0"/>
+              </a:ext>
+            </a:extLst>
+          </a:blip>
+          <a:stretch>
+            <a:fillRect/>
+          </a:stretch>
+        </p:blipFill>
+        <p:spPr>
+          <a:xfrm>
+            <a:off x="5992389" y="2113537"/>
+            <a:ext cx="940613" cy="940613"/>
+          </a:xfrm>
+          <a:prstGeom prst="rect">
+            <a:avLst/>
+          </a:prstGeom>
+        </p:spPr>
+      </p:pic>
+      <p:pic>
+        <p:nvPicPr>
+          <p:cNvPr id="65" name="Image 64"/>
+          <p:cNvPicPr>
+            <a:picLocks noChangeAspect="1"/>
+          </p:cNvPicPr>
+          <p:nvPr/>
+        </p:nvPicPr>
+        <p:blipFill>
+          <a:blip r:embed="rId6" cstate="print">
+            <a:extLst>
+              <a:ext uri="{28A0092B-C50C-407E-A947-70E740481C1C}">
+                <a14:useLocalDpi xmlns:a14="http://schemas.microsoft.com/office/drawing/2010/main" val="0"/>
+              </a:ext>
+            </a:extLst>
+          </a:blip>
+          <a:stretch>
+            <a:fillRect/>
+          </a:stretch>
+        </p:blipFill>
+        <p:spPr>
+          <a:xfrm>
+            <a:off x="7973291" y="2020026"/>
+            <a:ext cx="401044" cy="413674"/>
+          </a:xfrm>
+          <a:prstGeom prst="rect">
+            <a:avLst/>
+          </a:prstGeom>
+        </p:spPr>
+      </p:pic>
+      <p:sp>
+        <p:nvSpPr>
+          <p:cNvPr id="66" name="Cylindre 65"/>
+          <p:cNvSpPr/>
+          <p:nvPr/>
+        </p:nvSpPr>
+        <p:spPr>
+          <a:xfrm>
+            <a:off x="8564419" y="2000054"/>
+            <a:ext cx="597315" cy="396571"/>
+          </a:xfrm>
+          <a:prstGeom prst="can">
+            <a:avLst/>
+          </a:prstGeom>
+          <a:solidFill>
+            <a:schemeClr val="accent1"/>
+          </a:solidFill>
+          <a:ln>
+            <a:solidFill>
+              <a:schemeClr val="tx2"/>
+            </a:solidFill>
+          </a:ln>
+        </p:spPr>
+        <p:style>
+          <a:lnRef idx="2">
+            <a:schemeClr val="accent1">
+              <a:shade val="50000"/>
+            </a:schemeClr>
+          </a:lnRef>
+          <a:fillRef idx="1">
+            <a:schemeClr val="accent1"/>
+          </a:fillRef>
+          <a:effectRef idx="0">
+            <a:schemeClr val="accent1"/>
+          </a:effectRef>
+          <a:fontRef idx="minor">
+            <a:schemeClr val="lt1"/>
+          </a:fontRef>
+        </p:style>
+        <p:txBody>
+          <a:bodyPr rtlCol="0" anchor="ctr"/>
+          <a:lstStyle/>
+          <a:p>
+            <a:pPr algn="ctr"/>
+            <a:endParaRPr lang="fr-FR"/>
+          </a:p>
+        </p:txBody>
+      </p:sp>
+      <p:cxnSp>
+        <p:nvCxnSpPr>
+          <p:cNvPr id="72" name="Connecteur droit avec flèche 71"/>
+          <p:cNvCxnSpPr/>
+          <p:nvPr/>
+        </p:nvCxnSpPr>
+        <p:spPr>
+          <a:xfrm flipH="1">
+            <a:off x="6968218" y="1458237"/>
+            <a:ext cx="247152" cy="308141"/>
+          </a:xfrm>
+          <a:prstGeom prst="straightConnector1">
+            <a:avLst/>
+          </a:prstGeom>
+          <a:ln w="28575">
+            <a:solidFill>
+              <a:srgbClr val="FF0000"/>
+            </a:solidFill>
+            <a:headEnd type="triangle"/>
+            <a:tailEnd type="triangle"/>
+          </a:ln>
+        </p:spPr>
+        <p:style>
+          <a:lnRef idx="1">
+            <a:schemeClr val="accent1"/>
+          </a:lnRef>
+          <a:fillRef idx="0">
+            <a:schemeClr val="accent1"/>
+          </a:fillRef>
+          <a:effectRef idx="0">
+            <a:schemeClr val="accent1"/>
+          </a:effectRef>
+          <a:fontRef idx="minor">
+            <a:schemeClr val="tx1"/>
+          </a:fontRef>
+        </p:style>
+      </p:cxnSp>
+      <p:sp>
+        <p:nvSpPr>
+          <p:cNvPr id="75" name="Rectangle 74"/>
+          <p:cNvSpPr/>
+          <p:nvPr/>
+        </p:nvSpPr>
+        <p:spPr>
+          <a:xfrm>
+            <a:off x="6002528" y="5022591"/>
+            <a:ext cx="1541272" cy="451464"/>
+          </a:xfrm>
+          <a:prstGeom prst="rect">
+            <a:avLst/>
+          </a:prstGeom>
+          <a:solidFill>
+            <a:schemeClr val="accent1">
+              <a:lumMod val="20000"/>
+              <a:lumOff val="80000"/>
+            </a:schemeClr>
+          </a:solidFill>
+          <a:ln>
+            <a:noFill/>
+          </a:ln>
+        </p:spPr>
+        <p:style>
+          <a:lnRef idx="2">
+            <a:schemeClr val="accent1">
+              <a:shade val="50000"/>
+            </a:schemeClr>
+          </a:lnRef>
+          <a:fillRef idx="1">
+            <a:schemeClr val="accent1"/>
+          </a:fillRef>
+          <a:effectRef idx="0">
+            <a:schemeClr val="accent1"/>
+          </a:effectRef>
+          <a:fontRef idx="minor">
+            <a:schemeClr val="lt1"/>
+          </a:fontRef>
+        </p:style>
+        <p:txBody>
+          <a:bodyPr rtlCol="0" anchor="ctr"/>
+          <a:lstStyle/>
+          <a:p>
+            <a:pPr algn="ctr"/>
+            <a:endParaRPr lang="fr-FR"/>
+          </a:p>
+        </p:txBody>
+      </p:sp>
+      <p:sp>
+        <p:nvSpPr>
+          <p:cNvPr id="76" name="Rectangle 75"/>
+          <p:cNvSpPr/>
+          <p:nvPr/>
+        </p:nvSpPr>
+        <p:spPr>
+          <a:xfrm>
+            <a:off x="7877130" y="4547317"/>
+            <a:ext cx="1541272" cy="604459"/>
+          </a:xfrm>
+          <a:prstGeom prst="rect">
+            <a:avLst/>
+          </a:prstGeom>
+          <a:solidFill>
+            <a:schemeClr val="accent1">
+              <a:lumMod val="20000"/>
+              <a:lumOff val="80000"/>
+            </a:schemeClr>
+          </a:solidFill>
+          <a:ln>
+            <a:noFill/>
+          </a:ln>
+        </p:spPr>
+        <p:style>
+          <a:lnRef idx="2">
+            <a:schemeClr val="accent1">
+              <a:shade val="50000"/>
+            </a:schemeClr>
+          </a:lnRef>
+          <a:fillRef idx="1">
+            <a:schemeClr val="accent1"/>
+          </a:fillRef>
+          <a:effectRef idx="0">
+            <a:schemeClr val="accent1"/>
+          </a:effectRef>
+          <a:fontRef idx="minor">
+            <a:schemeClr val="lt1"/>
+          </a:fontRef>
+        </p:style>
+        <p:txBody>
+          <a:bodyPr rtlCol="0" anchor="ctr"/>
+          <a:lstStyle/>
+          <a:p>
+            <a:pPr algn="ctr"/>
+            <a:endParaRPr lang="fr-FR"/>
+          </a:p>
+        </p:txBody>
+      </p:sp>
+      <p:sp>
+        <p:nvSpPr>
+          <p:cNvPr id="77" name="Rectangle 76"/>
+          <p:cNvSpPr/>
+          <p:nvPr/>
+        </p:nvSpPr>
+        <p:spPr>
+          <a:xfrm>
+            <a:off x="7877130" y="3880746"/>
+            <a:ext cx="1541272" cy="604459"/>
+          </a:xfrm>
+          <a:prstGeom prst="rect">
+            <a:avLst/>
+          </a:prstGeom>
+          <a:solidFill>
+            <a:schemeClr val="accent1">
+              <a:lumMod val="20000"/>
+              <a:lumOff val="80000"/>
+            </a:schemeClr>
+          </a:solidFill>
+          <a:ln>
+            <a:noFill/>
+          </a:ln>
+        </p:spPr>
+        <p:style>
+          <a:lnRef idx="2">
+            <a:schemeClr val="accent1">
+              <a:shade val="50000"/>
+            </a:schemeClr>
+          </a:lnRef>
+          <a:fillRef idx="1">
+            <a:schemeClr val="accent1"/>
+          </a:fillRef>
+          <a:effectRef idx="0">
+            <a:schemeClr val="accent1"/>
+          </a:effectRef>
+          <a:fontRef idx="minor">
+            <a:schemeClr val="lt1"/>
+          </a:fontRef>
+        </p:style>
+        <p:txBody>
+          <a:bodyPr rtlCol="0" anchor="ctr"/>
+          <a:lstStyle/>
+          <a:p>
+            <a:pPr algn="ctr"/>
+            <a:endParaRPr lang="fr-FR"/>
+          </a:p>
+        </p:txBody>
+      </p:sp>
+      <p:pic>
+        <p:nvPicPr>
+          <p:cNvPr id="78" name="Image 77"/>
+          <p:cNvPicPr>
+            <a:picLocks noChangeAspect="1"/>
+          </p:cNvPicPr>
+          <p:nvPr/>
+        </p:nvPicPr>
+        <p:blipFill>
+          <a:blip r:embed="rId3" cstate="print">
+            <a:extLst>
+              <a:ext uri="{28A0092B-C50C-407E-A947-70E740481C1C}">
+                <a14:useLocalDpi xmlns:a14="http://schemas.microsoft.com/office/drawing/2010/main" val="0"/>
+              </a:ext>
+            </a:extLst>
+          </a:blip>
+          <a:stretch>
+            <a:fillRect/>
+          </a:stretch>
+        </p:blipFill>
+        <p:spPr>
+          <a:xfrm>
+            <a:off x="7978554" y="4023880"/>
+            <a:ext cx="1338424" cy="307880"/>
+          </a:xfrm>
+          <a:prstGeom prst="rect">
+            <a:avLst/>
+          </a:prstGeom>
+        </p:spPr>
+      </p:pic>
+      <p:pic>
+        <p:nvPicPr>
+          <p:cNvPr id="79" name="Image 78"/>
+          <p:cNvPicPr>
+            <a:picLocks noChangeAspect="1"/>
+          </p:cNvPicPr>
+          <p:nvPr/>
+        </p:nvPicPr>
+        <p:blipFill>
+          <a:blip r:embed="rId4" cstate="print">
+            <a:extLst>
+              <a:ext uri="{28A0092B-C50C-407E-A947-70E740481C1C}">
+                <a14:useLocalDpi xmlns:a14="http://schemas.microsoft.com/office/drawing/2010/main" val="0"/>
+              </a:ext>
+            </a:extLst>
+          </a:blip>
+          <a:stretch>
+            <a:fillRect/>
+          </a:stretch>
+        </p:blipFill>
+        <p:spPr>
+          <a:xfrm>
+            <a:off x="6335858" y="4349382"/>
+            <a:ext cx="822138" cy="501111"/>
+          </a:xfrm>
+          <a:prstGeom prst="rect">
+            <a:avLst/>
+          </a:prstGeom>
+        </p:spPr>
+      </p:pic>
+      <p:sp>
+        <p:nvSpPr>
+          <p:cNvPr id="80" name="ZoneTexte 79"/>
           <p:cNvSpPr txBox="1"/>
           <p:nvPr/>
         </p:nvSpPr>
         <p:spPr>
           <a:xfrm>
-            <a:off x="7514355" y="6129470"/>
-            <a:ext cx="733534" cy="369332"/>
+            <a:off x="6089465" y="3812688"/>
+            <a:ext cx="1390124" cy="369332"/>
           </a:xfrm>
           <a:prstGeom prst="rect">
             <a:avLst/>
@@ -13809,20 +15102,466 @@
           <a:lstStyle/>
           <a:p>
             <a:r>
-              <a:rPr lang="fr-FR" b="1" dirty="0" smtClean="0"/>
-              <a:t>Après</a:t>
-            </a:r>
-            <a:endParaRPr lang="fr-FR" b="1" dirty="0"/>
-          </a:p>
-        </p:txBody>
-      </p:sp>
+              <a:rPr lang="fr-FR" b="1" dirty="0" err="1" smtClean="0">
+                <a:latin typeface="Arial" panose="020B0604020202020204" pitchFamily="34" charset="0"/>
+                <a:cs typeface="Arial" panose="020B0604020202020204" pitchFamily="34" charset="0"/>
+              </a:rPr>
+              <a:t>Supervisor</a:t>
+            </a:r>
+            <a:endParaRPr lang="fr-FR" b="1" dirty="0">
+              <a:latin typeface="Arial" panose="020B0604020202020204" pitchFamily="34" charset="0"/>
+              <a:cs typeface="Arial" panose="020B0604020202020204" pitchFamily="34" charset="0"/>
+            </a:endParaRPr>
+          </a:p>
+        </p:txBody>
+      </p:sp>
+      <p:pic>
+        <p:nvPicPr>
+          <p:cNvPr id="81" name="Image 80"/>
+          <p:cNvPicPr>
+            <a:picLocks noChangeAspect="1"/>
+          </p:cNvPicPr>
+          <p:nvPr/>
+        </p:nvPicPr>
+        <p:blipFill>
+          <a:blip r:embed="rId5" cstate="print">
+            <a:extLst>
+              <a:ext uri="{28A0092B-C50C-407E-A947-70E740481C1C}">
+                <a14:useLocalDpi xmlns:a14="http://schemas.microsoft.com/office/drawing/2010/main" val="0"/>
+              </a:ext>
+            </a:extLst>
+          </a:blip>
+          <a:stretch>
+            <a:fillRect/>
+          </a:stretch>
+        </p:blipFill>
+        <p:spPr>
+          <a:xfrm>
+            <a:off x="5991338" y="4775941"/>
+            <a:ext cx="940613" cy="940613"/>
+          </a:xfrm>
+          <a:prstGeom prst="rect">
+            <a:avLst/>
+          </a:prstGeom>
+        </p:spPr>
+      </p:pic>
+      <p:pic>
+        <p:nvPicPr>
+          <p:cNvPr id="82" name="Image 81"/>
+          <p:cNvPicPr>
+            <a:picLocks noChangeAspect="1"/>
+          </p:cNvPicPr>
+          <p:nvPr/>
+        </p:nvPicPr>
+        <p:blipFill>
+          <a:blip r:embed="rId6" cstate="print">
+            <a:extLst>
+              <a:ext uri="{28A0092B-C50C-407E-A947-70E740481C1C}">
+                <a14:useLocalDpi xmlns:a14="http://schemas.microsoft.com/office/drawing/2010/main" val="0"/>
+              </a:ext>
+            </a:extLst>
+          </a:blip>
+          <a:stretch>
+            <a:fillRect/>
+          </a:stretch>
+        </p:blipFill>
+        <p:spPr>
+          <a:xfrm>
+            <a:off x="7973291" y="4682430"/>
+            <a:ext cx="401044" cy="413674"/>
+          </a:xfrm>
+          <a:prstGeom prst="rect">
+            <a:avLst/>
+          </a:prstGeom>
+        </p:spPr>
+      </p:pic>
+      <p:sp>
+        <p:nvSpPr>
+          <p:cNvPr id="83" name="Cylindre 82"/>
+          <p:cNvSpPr/>
+          <p:nvPr/>
+        </p:nvSpPr>
+        <p:spPr>
+          <a:xfrm>
+            <a:off x="8564419" y="4662458"/>
+            <a:ext cx="597315" cy="396571"/>
+          </a:xfrm>
+          <a:prstGeom prst="can">
+            <a:avLst/>
+          </a:prstGeom>
+          <a:solidFill>
+            <a:schemeClr val="accent1"/>
+          </a:solidFill>
+          <a:ln>
+            <a:solidFill>
+              <a:schemeClr val="tx2"/>
+            </a:solidFill>
+          </a:ln>
+        </p:spPr>
+        <p:style>
+          <a:lnRef idx="2">
+            <a:schemeClr val="accent1">
+              <a:shade val="50000"/>
+            </a:schemeClr>
+          </a:lnRef>
+          <a:fillRef idx="1">
+            <a:schemeClr val="accent1"/>
+          </a:fillRef>
+          <a:effectRef idx="0">
+            <a:schemeClr val="accent1"/>
+          </a:effectRef>
+          <a:fontRef idx="minor">
+            <a:schemeClr val="lt1"/>
+          </a:fontRef>
+        </p:style>
+        <p:txBody>
+          <a:bodyPr rtlCol="0" anchor="ctr"/>
+          <a:lstStyle/>
+          <a:p>
+            <a:pPr algn="ctr"/>
+            <a:endParaRPr lang="fr-FR"/>
+          </a:p>
+        </p:txBody>
+      </p:sp>
+      <p:cxnSp>
+        <p:nvCxnSpPr>
+          <p:cNvPr id="84" name="Connecteur droit avec flèche 83"/>
+          <p:cNvCxnSpPr/>
+          <p:nvPr/>
+        </p:nvCxnSpPr>
+        <p:spPr>
+          <a:xfrm flipH="1">
+            <a:off x="6968218" y="4120641"/>
+            <a:ext cx="247152" cy="308141"/>
+          </a:xfrm>
+          <a:prstGeom prst="straightConnector1">
+            <a:avLst/>
+          </a:prstGeom>
+          <a:ln w="28575">
+            <a:solidFill>
+              <a:srgbClr val="FF0000"/>
+            </a:solidFill>
+            <a:headEnd type="triangle"/>
+            <a:tailEnd type="triangle"/>
+          </a:ln>
+        </p:spPr>
+        <p:style>
+          <a:lnRef idx="1">
+            <a:schemeClr val="accent1"/>
+          </a:lnRef>
+          <a:fillRef idx="0">
+            <a:schemeClr val="accent1"/>
+          </a:fillRef>
+          <a:effectRef idx="0">
+            <a:schemeClr val="accent1"/>
+          </a:effectRef>
+          <a:fontRef idx="minor">
+            <a:schemeClr val="tx1"/>
+          </a:fontRef>
+        </p:style>
+      </p:cxnSp>
+      <p:pic>
+        <p:nvPicPr>
+          <p:cNvPr id="87" name="Image 86"/>
+          <p:cNvPicPr>
+            <a:picLocks noChangeAspect="1"/>
+          </p:cNvPicPr>
+          <p:nvPr/>
+        </p:nvPicPr>
+        <p:blipFill>
+          <a:blip r:embed="rId7" cstate="print">
+            <a:extLst>
+              <a:ext uri="{28A0092B-C50C-407E-A947-70E740481C1C}">
+                <a14:useLocalDpi xmlns:a14="http://schemas.microsoft.com/office/drawing/2010/main" val="0"/>
+              </a:ext>
+            </a:extLst>
+          </a:blip>
+          <a:stretch>
+            <a:fillRect/>
+          </a:stretch>
+        </p:blipFill>
+        <p:spPr>
+          <a:xfrm>
+            <a:off x="7011217" y="2388118"/>
+            <a:ext cx="385233" cy="385233"/>
+          </a:xfrm>
+          <a:prstGeom prst="rect">
+            <a:avLst/>
+          </a:prstGeom>
+        </p:spPr>
+      </p:pic>
+      <p:pic>
+        <p:nvPicPr>
+          <p:cNvPr id="88" name="Image 87"/>
+          <p:cNvPicPr>
+            <a:picLocks noChangeAspect="1"/>
+          </p:cNvPicPr>
+          <p:nvPr/>
+        </p:nvPicPr>
+        <p:blipFill>
+          <a:blip r:embed="rId7" cstate="print">
+            <a:extLst>
+              <a:ext uri="{28A0092B-C50C-407E-A947-70E740481C1C}">
+                <a14:useLocalDpi xmlns:a14="http://schemas.microsoft.com/office/drawing/2010/main" val="0"/>
+              </a:ext>
+            </a:extLst>
+          </a:blip>
+          <a:stretch>
+            <a:fillRect/>
+          </a:stretch>
+        </p:blipFill>
+        <p:spPr>
+          <a:xfrm>
+            <a:off x="7011217" y="5054593"/>
+            <a:ext cx="385233" cy="385233"/>
+          </a:xfrm>
+          <a:prstGeom prst="rect">
+            <a:avLst/>
+          </a:prstGeom>
+        </p:spPr>
+      </p:pic>
+      <p:pic>
+        <p:nvPicPr>
+          <p:cNvPr id="90" name="Image 89"/>
+          <p:cNvPicPr>
+            <a:picLocks noChangeAspect="1"/>
+          </p:cNvPicPr>
+          <p:nvPr/>
+        </p:nvPicPr>
+        <p:blipFill>
+          <a:blip r:embed="rId7" cstate="print">
+            <a:extLst>
+              <a:ext uri="{28A0092B-C50C-407E-A947-70E740481C1C}">
+                <a14:useLocalDpi xmlns:a14="http://schemas.microsoft.com/office/drawing/2010/main" val="0"/>
+              </a:ext>
+            </a:extLst>
+          </a:blip>
+          <a:stretch>
+            <a:fillRect/>
+          </a:stretch>
+        </p:blipFill>
+        <p:spPr>
+          <a:xfrm>
+            <a:off x="3453280" y="3085292"/>
+            <a:ext cx="822884" cy="822884"/>
+          </a:xfrm>
+          <a:prstGeom prst="rect">
+            <a:avLst/>
+          </a:prstGeom>
+        </p:spPr>
+      </p:pic>
+      <p:pic>
+        <p:nvPicPr>
+          <p:cNvPr id="91" name="Image 90"/>
+          <p:cNvPicPr>
+            <a:picLocks noChangeAspect="1"/>
+          </p:cNvPicPr>
+          <p:nvPr/>
+        </p:nvPicPr>
+        <p:blipFill>
+          <a:blip r:embed="rId7" cstate="print">
+            <a:extLst>
+              <a:ext uri="{28A0092B-C50C-407E-A947-70E740481C1C}">
+                <a14:useLocalDpi xmlns:a14="http://schemas.microsoft.com/office/drawing/2010/main" val="0"/>
+              </a:ext>
+            </a:extLst>
+          </a:blip>
+          <a:stretch>
+            <a:fillRect/>
+          </a:stretch>
+        </p:blipFill>
+        <p:spPr>
+          <a:xfrm>
+            <a:off x="737709" y="3085292"/>
+            <a:ext cx="822884" cy="822884"/>
+          </a:xfrm>
+          <a:prstGeom prst="rect">
+            <a:avLst/>
+          </a:prstGeom>
+        </p:spPr>
+      </p:pic>
+      <p:pic>
+        <p:nvPicPr>
+          <p:cNvPr id="92" name="Image 91"/>
+          <p:cNvPicPr>
+            <a:picLocks noChangeAspect="1"/>
+          </p:cNvPicPr>
+          <p:nvPr/>
+        </p:nvPicPr>
+        <p:blipFill>
+          <a:blip r:embed="rId8" cstate="print">
+            <a:extLst>
+              <a:ext uri="{28A0092B-C50C-407E-A947-70E740481C1C}">
+                <a14:useLocalDpi xmlns:a14="http://schemas.microsoft.com/office/drawing/2010/main" val="0"/>
+              </a:ext>
+            </a:extLst>
+          </a:blip>
+          <a:stretch>
+            <a:fillRect/>
+          </a:stretch>
+        </p:blipFill>
+        <p:spPr>
+          <a:xfrm>
+            <a:off x="299536" y="6027233"/>
+            <a:ext cx="553400" cy="553400"/>
+          </a:xfrm>
+          <a:prstGeom prst="rect">
+            <a:avLst/>
+          </a:prstGeom>
+        </p:spPr>
+      </p:pic>
+      <p:sp>
+        <p:nvSpPr>
+          <p:cNvPr id="93" name="ZoneTexte 92"/>
+          <p:cNvSpPr txBox="1"/>
+          <p:nvPr/>
+        </p:nvSpPr>
+        <p:spPr>
+          <a:xfrm>
+            <a:off x="807916" y="6141310"/>
+            <a:ext cx="1413336" cy="461665"/>
+          </a:xfrm>
+          <a:prstGeom prst="rect">
+            <a:avLst/>
+          </a:prstGeom>
+          <a:noFill/>
+        </p:spPr>
+        <p:txBody>
+          <a:bodyPr wrap="none" rtlCol="0">
+            <a:spAutoFit/>
+          </a:bodyPr>
+          <a:lstStyle/>
+          <a:p>
+            <a:r>
+              <a:rPr lang="fr-FR" sz="1200" dirty="0" smtClean="0"/>
+              <a:t>L’application </a:t>
+            </a:r>
+          </a:p>
+          <a:p>
+            <a:r>
+              <a:rPr lang="fr-FR" sz="1200" dirty="0" smtClean="0"/>
+              <a:t>et ses dépendances</a:t>
+            </a:r>
+            <a:endParaRPr lang="fr-FR" sz="1200" dirty="0"/>
+          </a:p>
+        </p:txBody>
+      </p:sp>
+      <p:pic>
+        <p:nvPicPr>
+          <p:cNvPr id="98" name="Image 97"/>
+          <p:cNvPicPr>
+            <a:picLocks noChangeAspect="1"/>
+          </p:cNvPicPr>
+          <p:nvPr/>
+        </p:nvPicPr>
+        <p:blipFill>
+          <a:blip r:embed="rId9" cstate="print">
+            <a:extLst>
+              <a:ext uri="{28A0092B-C50C-407E-A947-70E740481C1C}">
+                <a14:useLocalDpi xmlns:a14="http://schemas.microsoft.com/office/drawing/2010/main" val="0"/>
+              </a:ext>
+            </a:extLst>
+          </a:blip>
+          <a:stretch>
+            <a:fillRect/>
+          </a:stretch>
+        </p:blipFill>
+        <p:spPr>
+          <a:xfrm>
+            <a:off x="7797373" y="5758981"/>
+            <a:ext cx="915254" cy="915254"/>
+          </a:xfrm>
+          <a:prstGeom prst="rect">
+            <a:avLst/>
+          </a:prstGeom>
+        </p:spPr>
+      </p:pic>
+      <p:cxnSp>
+        <p:nvCxnSpPr>
+          <p:cNvPr id="102" name="Connecteur en angle 101"/>
+          <p:cNvCxnSpPr>
+            <a:endCxn id="98" idx="3"/>
+          </p:cNvCxnSpPr>
+          <p:nvPr/>
+        </p:nvCxnSpPr>
+        <p:spPr>
+          <a:xfrm rot="10800000" flipV="1">
+            <a:off x="8712628" y="4177820"/>
+            <a:ext cx="2649805" cy="2038788"/>
+          </a:xfrm>
+          <a:prstGeom prst="bentConnector3">
+            <a:avLst>
+              <a:gd name="adj1" fmla="val -484"/>
+            </a:avLst>
+          </a:prstGeom>
+          <a:ln w="28575">
+            <a:solidFill>
+              <a:schemeClr val="accent2"/>
+            </a:solidFill>
+            <a:tailEnd type="triangle"/>
+          </a:ln>
+        </p:spPr>
+        <p:style>
+          <a:lnRef idx="1">
+            <a:schemeClr val="accent1"/>
+          </a:lnRef>
+          <a:fillRef idx="0">
+            <a:schemeClr val="accent1"/>
+          </a:fillRef>
+          <a:effectRef idx="0">
+            <a:schemeClr val="accent1"/>
+          </a:effectRef>
+          <a:fontRef idx="minor">
+            <a:schemeClr val="tx1"/>
+          </a:fontRef>
+        </p:style>
+      </p:cxnSp>
+      <p:cxnSp>
+        <p:nvCxnSpPr>
+          <p:cNvPr id="105" name="Connecteur droit avec flèche 104"/>
+          <p:cNvCxnSpPr>
+            <a:stCxn id="27" idx="3"/>
+            <a:endCxn id="98" idx="1"/>
+          </p:cNvCxnSpPr>
+          <p:nvPr/>
+        </p:nvCxnSpPr>
+        <p:spPr>
+          <a:xfrm>
+            <a:off x="4902200" y="6202746"/>
+            <a:ext cx="2895173" cy="13862"/>
+          </a:xfrm>
+          <a:prstGeom prst="straightConnector1">
+            <a:avLst/>
+          </a:prstGeom>
+          <a:ln w="28575">
+            <a:solidFill>
+              <a:schemeClr val="accent2"/>
+            </a:solidFill>
+            <a:tailEnd type="triangle"/>
+          </a:ln>
+        </p:spPr>
+        <p:style>
+          <a:lnRef idx="1">
+            <a:schemeClr val="accent1"/>
+          </a:lnRef>
+          <a:fillRef idx="0">
+            <a:schemeClr val="accent1"/>
+          </a:fillRef>
+          <a:effectRef idx="0">
+            <a:schemeClr val="accent1"/>
+          </a:effectRef>
+          <a:fontRef idx="minor">
+            <a:schemeClr val="tx1"/>
+          </a:fontRef>
+        </p:style>
+      </p:cxnSp>
     </p:spTree>
     <p:custDataLst>
       <p:tags r:id="rId1"/>
     </p:custDataLst>
     <p:extLst>
       <p:ext uri="{BB962C8B-B14F-4D97-AF65-F5344CB8AC3E}">
-        <p14:creationId xmlns:p14="http://schemas.microsoft.com/office/powerpoint/2010/main" val="1233008955"/>
+        <p14:creationId xmlns:p14="http://schemas.microsoft.com/office/powerpoint/2010/main" val="2861139178"/>
       </p:ext>
     </p:extLst>
   </p:cSld>
@@ -13831,10 +15570,10 @@
   </p:clrMapOvr>
   <mc:AlternateContent xmlns:mc="http://schemas.openxmlformats.org/markup-compatibility/2006" xmlns:p14="http://schemas.microsoft.com/office/powerpoint/2010/main">
     <mc:Choice Requires="p14">
-      <p:transition spd="slow" p14:dur="2000" advTm="66094"/>
+      <p:transition spd="slow" p14:dur="2000" advTm="37268"/>
     </mc:Choice>
     <mc:Fallback xmlns="">
-      <p:transition spd="slow" advTm="66094"/>
+      <p:transition spd="slow" advTm="37268"/>
     </mc:Fallback>
   </mc:AlternateContent>
   <p:timing>
@@ -13858,7 +15597,7 @@
                             </p:stCondLst>
                             <p:childTnLst>
                               <p:par>
-                                <p:cTn id="5" presetID="10" presetClass="entr" presetSubtype="0" fill="hold" grpId="0" nodeType="clickEffect">
+                                <p:cTn id="5" presetID="10" presetClass="entr" presetSubtype="0" fill="hold" nodeType="clickEffect">
                                   <p:stCondLst>
                                     <p:cond delay="0"/>
                                   </p:stCondLst>
@@ -13871,7 +15610,7 @@
                                           </p:stCondLst>
                                         </p:cTn>
                                         <p:tgtEl>
-                                          <p:spTgt spid="16"/>
+                                          <p:spTgt spid="91"/>
                                         </p:tgtEl>
                                         <p:attrNameLst>
                                           <p:attrName>style.visibility</p:attrName>
@@ -13885,7 +15624,7 @@
                                       <p:cBhvr>
                                         <p:cTn id="7" dur="500"/>
                                         <p:tgtEl>
-                                          <p:spTgt spid="16"/>
+                                          <p:spTgt spid="91"/>
                                         </p:tgtEl>
                                       </p:cBhvr>
                                     </p:animEffect>
@@ -13906,7 +15645,7 @@
                                           </p:stCondLst>
                                         </p:cTn>
                                         <p:tgtEl>
-                                          <p:spTgt spid="15"/>
+                                          <p:spTgt spid="28"/>
                                         </p:tgtEl>
                                         <p:attrNameLst>
                                           <p:attrName>style.visibility</p:attrName>
@@ -13920,7 +15659,112 @@
                                       <p:cBhvr>
                                         <p:cTn id="10" dur="500"/>
                                         <p:tgtEl>
-                                          <p:spTgt spid="15"/>
+                                          <p:spTgt spid="28"/>
+                                        </p:tgtEl>
+                                      </p:cBhvr>
+                                    </p:animEffect>
+                                  </p:childTnLst>
+                                </p:cTn>
+                              </p:par>
+                              <p:par>
+                                <p:cTn id="11" presetID="10" presetClass="entr" presetSubtype="0" fill="hold" grpId="0" nodeType="withEffect">
+                                  <p:stCondLst>
+                                    <p:cond delay="0"/>
+                                  </p:stCondLst>
+                                  <p:childTnLst>
+                                    <p:set>
+                                      <p:cBhvr>
+                                        <p:cTn id="12" dur="1" fill="hold">
+                                          <p:stCondLst>
+                                            <p:cond delay="0"/>
+                                          </p:stCondLst>
+                                        </p:cTn>
+                                        <p:tgtEl>
+                                          <p:spTgt spid="21"/>
+                                        </p:tgtEl>
+                                        <p:attrNameLst>
+                                          <p:attrName>style.visibility</p:attrName>
+                                        </p:attrNameLst>
+                                      </p:cBhvr>
+                                      <p:to>
+                                        <p:strVal val="visible"/>
+                                      </p:to>
+                                    </p:set>
+                                    <p:animEffect transition="in" filter="fade">
+                                      <p:cBhvr>
+                                        <p:cTn id="13" dur="500"/>
+                                        <p:tgtEl>
+                                          <p:spTgt spid="21"/>
+                                        </p:tgtEl>
+                                      </p:cBhvr>
+                                    </p:animEffect>
+                                  </p:childTnLst>
+                                </p:cTn>
+                              </p:par>
+                              <p:par>
+                                <p:cTn id="14" presetID="10" presetClass="entr" presetSubtype="0" fill="hold" nodeType="withEffect">
+                                  <p:stCondLst>
+                                    <p:cond delay="0"/>
+                                  </p:stCondLst>
+                                  <p:childTnLst>
+                                    <p:set>
+                                      <p:cBhvr>
+                                        <p:cTn id="15" dur="1" fill="hold">
+                                          <p:stCondLst>
+                                            <p:cond delay="0"/>
+                                          </p:stCondLst>
+                                        </p:cTn>
+                                        <p:tgtEl>
+                                          <p:spTgt spid="92"/>
+                                        </p:tgtEl>
+                                        <p:attrNameLst>
+                                          <p:attrName>style.visibility</p:attrName>
+                                        </p:attrNameLst>
+                                      </p:cBhvr>
+                                      <p:to>
+                                        <p:strVal val="visible"/>
+                                      </p:to>
+                                    </p:set>
+                                    <p:animEffect transition="in" filter="fade">
+                                      <p:cBhvr>
+                                        <p:cTn id="16" dur="500"/>
+                                        <p:tgtEl>
+                                          <p:spTgt spid="92"/>
+                                        </p:tgtEl>
+                                      </p:cBhvr>
+                                    </p:animEffect>
+                                  </p:childTnLst>
+                                </p:cTn>
+                              </p:par>
+                              <p:par>
+                                <p:cTn id="17" presetID="10" presetClass="entr" presetSubtype="0" fill="hold" grpId="0" nodeType="withEffect">
+                                  <p:stCondLst>
+                                    <p:cond delay="0"/>
+                                  </p:stCondLst>
+                                  <p:childTnLst>
+                                    <p:set>
+                                      <p:cBhvr>
+                                        <p:cTn id="18" dur="1" fill="hold">
+                                          <p:stCondLst>
+                                            <p:cond delay="0"/>
+                                          </p:stCondLst>
+                                        </p:cTn>
+                                        <p:tgtEl>
+                                          <p:spTgt spid="93"/>
+                                        </p:tgtEl>
+                                        <p:attrNameLst>
+                                          <p:attrName>style.visibility</p:attrName>
+                                        </p:attrNameLst>
+                                      </p:cBhvr>
+                                      <p:to>
+                                        <p:strVal val="visible"/>
+                                      </p:to>
+                                    </p:set>
+                                    <p:animEffect transition="in" filter="fade">
+                                      <p:cBhvr>
+                                        <p:cTn id="19" dur="500"/>
+                                        <p:tgtEl>
+                                          <p:spTgt spid="93"/>
                                         </p:tgtEl>
                                       </p:cBhvr>
                                     </p:animEffect>
@@ -13934,32 +15778,32 @@
                     </p:cTn>
                   </p:par>
                   <p:par>
-                    <p:cTn id="11" fill="hold">
+                    <p:cTn id="20" fill="hold">
                       <p:stCondLst>
                         <p:cond delay="indefinite"/>
                       </p:stCondLst>
                       <p:childTnLst>
                         <p:par>
-                          <p:cTn id="12" fill="hold">
+                          <p:cTn id="21" fill="hold">
                             <p:stCondLst>
                               <p:cond delay="0"/>
                             </p:stCondLst>
                             <p:childTnLst>
                               <p:par>
-                                <p:cTn id="13" presetID="10" presetClass="entr" presetSubtype="0" fill="hold" nodeType="clickEffect">
+                                <p:cTn id="22" presetID="10" presetClass="entr" presetSubtype="0" fill="hold" nodeType="clickEffect">
                                   <p:stCondLst>
                                     <p:cond delay="0"/>
                                   </p:stCondLst>
                                   <p:childTnLst>
                                     <p:set>
                                       <p:cBhvr>
-                                        <p:cTn id="14" dur="1" fill="hold">
+                                        <p:cTn id="23" dur="1" fill="hold">
                                           <p:stCondLst>
                                             <p:cond delay="0"/>
                                           </p:stCondLst>
                                         </p:cTn>
                                         <p:tgtEl>
-                                          <p:spTgt spid="2"/>
+                                          <p:spTgt spid="36"/>
                                         </p:tgtEl>
                                         <p:attrNameLst>
                                           <p:attrName>style.visibility</p:attrName>
@@ -13971,9 +15815,9 @@
                                     </p:set>
                                     <p:animEffect transition="in" filter="fade">
                                       <p:cBhvr>
-                                        <p:cTn id="15" dur="500"/>
+                                        <p:cTn id="24" dur="500"/>
                                         <p:tgtEl>
-                                          <p:spTgt spid="2"/>
+                                          <p:spTgt spid="36"/>
                                         </p:tgtEl>
                                       </p:cBhvr>
                                     </p:animEffect>
@@ -13981,14 +15825,330 @@
                                 </p:cTn>
                               </p:par>
                               <p:par>
-                                <p:cTn id="16" presetID="10" presetClass="entr" presetSubtype="0" fill="hold" grpId="0" nodeType="withEffect">
+                                <p:cTn id="25" presetID="10" presetClass="entr" presetSubtype="0" fill="hold" grpId="0" nodeType="withEffect">
                                   <p:stCondLst>
                                     <p:cond delay="0"/>
                                   </p:stCondLst>
                                   <p:childTnLst>
                                     <p:set>
                                       <p:cBhvr>
-                                        <p:cTn id="17" dur="1" fill="hold">
+                                        <p:cTn id="26" dur="1" fill="hold">
+                                          <p:stCondLst>
+                                            <p:cond delay="0"/>
+                                          </p:stCondLst>
+                                        </p:cTn>
+                                        <p:tgtEl>
+                                          <p:spTgt spid="19"/>
+                                        </p:tgtEl>
+                                        <p:attrNameLst>
+                                          <p:attrName>style.visibility</p:attrName>
+                                        </p:attrNameLst>
+                                      </p:cBhvr>
+                                      <p:to>
+                                        <p:strVal val="visible"/>
+                                      </p:to>
+                                    </p:set>
+                                    <p:animEffect transition="in" filter="fade">
+                                      <p:cBhvr>
+                                        <p:cTn id="27" dur="500"/>
+                                        <p:tgtEl>
+                                          <p:spTgt spid="19"/>
+                                        </p:tgtEl>
+                                      </p:cBhvr>
+                                    </p:animEffect>
+                                  </p:childTnLst>
+                                </p:cTn>
+                              </p:par>
+                              <p:par>
+                                <p:cTn id="28" presetID="10" presetClass="entr" presetSubtype="0" fill="hold" nodeType="withEffect">
+                                  <p:stCondLst>
+                                    <p:cond delay="0"/>
+                                  </p:stCondLst>
+                                  <p:childTnLst>
+                                    <p:set>
+                                      <p:cBhvr>
+                                        <p:cTn id="29" dur="1" fill="hold">
+                                          <p:stCondLst>
+                                            <p:cond delay="0"/>
+                                          </p:stCondLst>
+                                        </p:cTn>
+                                        <p:tgtEl>
+                                          <p:spTgt spid="90"/>
+                                        </p:tgtEl>
+                                        <p:attrNameLst>
+                                          <p:attrName>style.visibility</p:attrName>
+                                        </p:attrNameLst>
+                                      </p:cBhvr>
+                                      <p:to>
+                                        <p:strVal val="visible"/>
+                                      </p:to>
+                                    </p:set>
+                                    <p:animEffect transition="in" filter="fade">
+                                      <p:cBhvr>
+                                        <p:cTn id="30" dur="500"/>
+                                        <p:tgtEl>
+                                          <p:spTgt spid="90"/>
+                                        </p:tgtEl>
+                                      </p:cBhvr>
+                                    </p:animEffect>
+                                  </p:childTnLst>
+                                </p:cTn>
+                              </p:par>
+                              <p:par>
+                                <p:cTn id="31" presetID="10" presetClass="entr" presetSubtype="0" fill="hold" grpId="0" nodeType="withEffect">
+                                  <p:stCondLst>
+                                    <p:cond delay="0"/>
+                                  </p:stCondLst>
+                                  <p:childTnLst>
+                                    <p:set>
+                                      <p:cBhvr>
+                                        <p:cTn id="32" dur="1" fill="hold">
+                                          <p:stCondLst>
+                                            <p:cond delay="0"/>
+                                          </p:stCondLst>
+                                        </p:cTn>
+                                        <p:tgtEl>
+                                          <p:spTgt spid="26"/>
+                                        </p:tgtEl>
+                                        <p:attrNameLst>
+                                          <p:attrName>style.visibility</p:attrName>
+                                        </p:attrNameLst>
+                                      </p:cBhvr>
+                                      <p:to>
+                                        <p:strVal val="visible"/>
+                                      </p:to>
+                                    </p:set>
+                                    <p:animEffect transition="in" filter="fade">
+                                      <p:cBhvr>
+                                        <p:cTn id="33" dur="500"/>
+                                        <p:tgtEl>
+                                          <p:spTgt spid="26"/>
+                                        </p:tgtEl>
+                                      </p:cBhvr>
+                                    </p:animEffect>
+                                  </p:childTnLst>
+                                </p:cTn>
+                              </p:par>
+                            </p:childTnLst>
+                          </p:cTn>
+                        </p:par>
+                      </p:childTnLst>
+                    </p:cTn>
+                  </p:par>
+                  <p:par>
+                    <p:cTn id="34" fill="hold">
+                      <p:stCondLst>
+                        <p:cond delay="indefinite"/>
+                      </p:stCondLst>
+                      <p:childTnLst>
+                        <p:par>
+                          <p:cTn id="35" fill="hold">
+                            <p:stCondLst>
+                              <p:cond delay="0"/>
+                            </p:stCondLst>
+                            <p:childTnLst>
+                              <p:par>
+                                <p:cTn id="36" presetID="10" presetClass="entr" presetSubtype="0" fill="hold" nodeType="clickEffect">
+                                  <p:stCondLst>
+                                    <p:cond delay="0"/>
+                                  </p:stCondLst>
+                                  <p:childTnLst>
+                                    <p:set>
+                                      <p:cBhvr>
+                                        <p:cTn id="37" dur="1" fill="hold">
+                                          <p:stCondLst>
+                                            <p:cond delay="0"/>
+                                          </p:stCondLst>
+                                        </p:cTn>
+                                        <p:tgtEl>
+                                          <p:spTgt spid="105"/>
+                                        </p:tgtEl>
+                                        <p:attrNameLst>
+                                          <p:attrName>style.visibility</p:attrName>
+                                        </p:attrNameLst>
+                                      </p:cBhvr>
+                                      <p:to>
+                                        <p:strVal val="visible"/>
+                                      </p:to>
+                                    </p:set>
+                                    <p:animEffect transition="in" filter="fade">
+                                      <p:cBhvr>
+                                        <p:cTn id="38" dur="500"/>
+                                        <p:tgtEl>
+                                          <p:spTgt spid="105"/>
+                                        </p:tgtEl>
+                                      </p:cBhvr>
+                                    </p:animEffect>
+                                  </p:childTnLst>
+                                </p:cTn>
+                              </p:par>
+                              <p:par>
+                                <p:cTn id="39" presetID="10" presetClass="entr" presetSubtype="0" fill="hold" grpId="0" nodeType="withEffect">
+                                  <p:stCondLst>
+                                    <p:cond delay="0"/>
+                                  </p:stCondLst>
+                                  <p:childTnLst>
+                                    <p:set>
+                                      <p:cBhvr>
+                                        <p:cTn id="40" dur="1" fill="hold">
+                                          <p:stCondLst>
+                                            <p:cond delay="0"/>
+                                          </p:stCondLst>
+                                        </p:cTn>
+                                        <p:tgtEl>
+                                          <p:spTgt spid="20"/>
+                                        </p:tgtEl>
+                                        <p:attrNameLst>
+                                          <p:attrName>style.visibility</p:attrName>
+                                        </p:attrNameLst>
+                                      </p:cBhvr>
+                                      <p:to>
+                                        <p:strVal val="visible"/>
+                                      </p:to>
+                                    </p:set>
+                                    <p:animEffect transition="in" filter="fade">
+                                      <p:cBhvr>
+                                        <p:cTn id="41" dur="500"/>
+                                        <p:tgtEl>
+                                          <p:spTgt spid="20"/>
+                                        </p:tgtEl>
+                                      </p:cBhvr>
+                                    </p:animEffect>
+                                  </p:childTnLst>
+                                </p:cTn>
+                              </p:par>
+                              <p:par>
+                                <p:cTn id="42" presetID="10" presetClass="entr" presetSubtype="0" fill="hold" grpId="0" nodeType="withEffect">
+                                  <p:stCondLst>
+                                    <p:cond delay="0"/>
+                                  </p:stCondLst>
+                                  <p:childTnLst>
+                                    <p:set>
+                                      <p:cBhvr>
+                                        <p:cTn id="43" dur="1" fill="hold">
+                                          <p:stCondLst>
+                                            <p:cond delay="0"/>
+                                          </p:stCondLst>
+                                        </p:cTn>
+                                        <p:tgtEl>
+                                          <p:spTgt spid="27"/>
+                                        </p:tgtEl>
+                                        <p:attrNameLst>
+                                          <p:attrName>style.visibility</p:attrName>
+                                        </p:attrNameLst>
+                                      </p:cBhvr>
+                                      <p:to>
+                                        <p:strVal val="visible"/>
+                                      </p:to>
+                                    </p:set>
+                                    <p:animEffect transition="in" filter="fade">
+                                      <p:cBhvr>
+                                        <p:cTn id="44" dur="500"/>
+                                        <p:tgtEl>
+                                          <p:spTgt spid="27"/>
+                                        </p:tgtEl>
+                                      </p:cBhvr>
+                                    </p:animEffect>
+                                  </p:childTnLst>
+                                </p:cTn>
+                              </p:par>
+                              <p:par>
+                                <p:cTn id="45" presetID="10" presetClass="entr" presetSubtype="0" fill="hold" nodeType="withEffect">
+                                  <p:stCondLst>
+                                    <p:cond delay="0"/>
+                                  </p:stCondLst>
+                                  <p:childTnLst>
+                                    <p:set>
+                                      <p:cBhvr>
+                                        <p:cTn id="46" dur="1" fill="hold">
+                                          <p:stCondLst>
+                                            <p:cond delay="0"/>
+                                          </p:stCondLst>
+                                        </p:cTn>
+                                        <p:tgtEl>
+                                          <p:spTgt spid="38"/>
+                                        </p:tgtEl>
+                                        <p:attrNameLst>
+                                          <p:attrName>style.visibility</p:attrName>
+                                        </p:attrNameLst>
+                                      </p:cBhvr>
+                                      <p:to>
+                                        <p:strVal val="visible"/>
+                                      </p:to>
+                                    </p:set>
+                                    <p:animEffect transition="in" filter="fade">
+                                      <p:cBhvr>
+                                        <p:cTn id="47" dur="500"/>
+                                        <p:tgtEl>
+                                          <p:spTgt spid="38"/>
+                                        </p:tgtEl>
+                                      </p:cBhvr>
+                                    </p:animEffect>
+                                  </p:childTnLst>
+                                </p:cTn>
+                              </p:par>
+                              <p:par>
+                                <p:cTn id="48" presetID="10" presetClass="entr" presetSubtype="0" fill="hold" nodeType="withEffect">
+                                  <p:stCondLst>
+                                    <p:cond delay="0"/>
+                                  </p:stCondLst>
+                                  <p:childTnLst>
+                                    <p:set>
+                                      <p:cBhvr>
+                                        <p:cTn id="49" dur="1" fill="hold">
+                                          <p:stCondLst>
+                                            <p:cond delay="0"/>
+                                          </p:stCondLst>
+                                        </p:cTn>
+                                        <p:tgtEl>
+                                          <p:spTgt spid="98"/>
+                                        </p:tgtEl>
+                                        <p:attrNameLst>
+                                          <p:attrName>style.visibility</p:attrName>
+                                        </p:attrNameLst>
+                                      </p:cBhvr>
+                                      <p:to>
+                                        <p:strVal val="visible"/>
+                                      </p:to>
+                                    </p:set>
+                                    <p:animEffect transition="in" filter="fade">
+                                      <p:cBhvr>
+                                        <p:cTn id="50" dur="500"/>
+                                        <p:tgtEl>
+                                          <p:spTgt spid="98"/>
+                                        </p:tgtEl>
+                                      </p:cBhvr>
+                                    </p:animEffect>
+                                  </p:childTnLst>
+                                </p:cTn>
+                              </p:par>
+                            </p:childTnLst>
+                          </p:cTn>
+                        </p:par>
+                      </p:childTnLst>
+                    </p:cTn>
+                  </p:par>
+                  <p:par>
+                    <p:cTn id="51" fill="hold">
+                      <p:stCondLst>
+                        <p:cond delay="indefinite"/>
+                      </p:stCondLst>
+                      <p:childTnLst>
+                        <p:par>
+                          <p:cTn id="52" fill="hold">
+                            <p:stCondLst>
+                              <p:cond delay="0"/>
+                            </p:stCondLst>
+                            <p:childTnLst>
+                              <p:par>
+                                <p:cTn id="53" presetID="10" presetClass="entr" presetSubtype="0" fill="hold" grpId="0" nodeType="clickEffect">
+                                  <p:stCondLst>
+                                    <p:cond delay="0"/>
+                                  </p:stCondLst>
+                                  <p:childTnLst>
+                                    <p:set>
+                                      <p:cBhvr>
+                                        <p:cTn id="54" dur="1" fill="hold">
                                           <p:stCondLst>
                                             <p:cond delay="0"/>
                                           </p:stCondLst>
@@ -14006,7 +16166,7 @@
                                     </p:set>
                                     <p:animEffect transition="in" filter="fade">
                                       <p:cBhvr>
-                                        <p:cTn id="18" dur="500"/>
+                                        <p:cTn id="55" dur="500"/>
                                         <p:tgtEl>
                                           <p:spTgt spid="17"/>
                                         </p:tgtEl>
@@ -14015,33 +16175,400 @@
                                   </p:childTnLst>
                                 </p:cTn>
                               </p:par>
-                            </p:childTnLst>
-                          </p:cTn>
-                        </p:par>
-                      </p:childTnLst>
-                    </p:cTn>
-                  </p:par>
-                  <p:par>
-                    <p:cTn id="19" fill="hold">
-                      <p:stCondLst>
-                        <p:cond delay="indefinite"/>
-                      </p:stCondLst>
-                      <p:childTnLst>
-                        <p:par>
-                          <p:cTn id="20" fill="hold">
-                            <p:stCondLst>
-                              <p:cond delay="0"/>
-                            </p:stCondLst>
-                            <p:childTnLst>
                               <p:par>
-                                <p:cTn id="21" presetID="10" presetClass="entr" presetSubtype="0" fill="hold" grpId="0" nodeType="clickEffect">
+                                <p:cTn id="56" presetID="10" presetClass="entr" presetSubtype="0" fill="hold" grpId="0" nodeType="withEffect">
                                   <p:stCondLst>
                                     <p:cond delay="0"/>
                                   </p:stCondLst>
                                   <p:childTnLst>
                                     <p:set>
                                       <p:cBhvr>
-                                        <p:cTn id="22" dur="1" fill="hold">
+                                        <p:cTn id="57" dur="1" fill="hold">
+                                          <p:stCondLst>
+                                            <p:cond delay="0"/>
+                                          </p:stCondLst>
+                                        </p:cTn>
+                                        <p:tgtEl>
+                                          <p:spTgt spid="23"/>
+                                        </p:tgtEl>
+                                        <p:attrNameLst>
+                                          <p:attrName>style.visibility</p:attrName>
+                                        </p:attrNameLst>
+                                      </p:cBhvr>
+                                      <p:to>
+                                        <p:strVal val="visible"/>
+                                      </p:to>
+                                    </p:set>
+                                    <p:animEffect transition="in" filter="fade">
+                                      <p:cBhvr>
+                                        <p:cTn id="58" dur="500"/>
+                                        <p:tgtEl>
+                                          <p:spTgt spid="23"/>
+                                        </p:tgtEl>
+                                      </p:cBhvr>
+                                    </p:animEffect>
+                                  </p:childTnLst>
+                                </p:cTn>
+                              </p:par>
+                              <p:par>
+                                <p:cTn id="59" presetID="10" presetClass="entr" presetSubtype="0" fill="hold" nodeType="withEffect">
+                                  <p:stCondLst>
+                                    <p:cond delay="0"/>
+                                  </p:stCondLst>
+                                  <p:childTnLst>
+                                    <p:set>
+                                      <p:cBhvr>
+                                        <p:cTn id="60" dur="1" fill="hold">
+                                          <p:stCondLst>
+                                            <p:cond delay="0"/>
+                                          </p:stCondLst>
+                                        </p:cTn>
+                                        <p:tgtEl>
+                                          <p:spTgt spid="65"/>
+                                        </p:tgtEl>
+                                        <p:attrNameLst>
+                                          <p:attrName>style.visibility</p:attrName>
+                                        </p:attrNameLst>
+                                      </p:cBhvr>
+                                      <p:to>
+                                        <p:strVal val="visible"/>
+                                      </p:to>
+                                    </p:set>
+                                    <p:animEffect transition="in" filter="fade">
+                                      <p:cBhvr>
+                                        <p:cTn id="61" dur="500"/>
+                                        <p:tgtEl>
+                                          <p:spTgt spid="65"/>
+                                        </p:tgtEl>
+                                      </p:cBhvr>
+                                    </p:animEffect>
+                                  </p:childTnLst>
+                                </p:cTn>
+                              </p:par>
+                              <p:par>
+                                <p:cTn id="62" presetID="10" presetClass="entr" presetSubtype="0" fill="hold" grpId="0" nodeType="withEffect">
+                                  <p:stCondLst>
+                                    <p:cond delay="0"/>
+                                  </p:stCondLst>
+                                  <p:childTnLst>
+                                    <p:set>
+                                      <p:cBhvr>
+                                        <p:cTn id="63" dur="1" fill="hold">
+                                          <p:stCondLst>
+                                            <p:cond delay="0"/>
+                                          </p:stCondLst>
+                                        </p:cTn>
+                                        <p:tgtEl>
+                                          <p:spTgt spid="66"/>
+                                        </p:tgtEl>
+                                        <p:attrNameLst>
+                                          <p:attrName>style.visibility</p:attrName>
+                                        </p:attrNameLst>
+                                      </p:cBhvr>
+                                      <p:to>
+                                        <p:strVal val="visible"/>
+                                      </p:to>
+                                    </p:set>
+                                    <p:animEffect transition="in" filter="fade">
+                                      <p:cBhvr>
+                                        <p:cTn id="64" dur="500"/>
+                                        <p:tgtEl>
+                                          <p:spTgt spid="66"/>
+                                        </p:tgtEl>
+                                      </p:cBhvr>
+                                    </p:animEffect>
+                                  </p:childTnLst>
+                                </p:cTn>
+                              </p:par>
+                              <p:par>
+                                <p:cTn id="65" presetID="10" presetClass="entr" presetSubtype="0" fill="hold" grpId="0" nodeType="withEffect">
+                                  <p:stCondLst>
+                                    <p:cond delay="0"/>
+                                  </p:stCondLst>
+                                  <p:childTnLst>
+                                    <p:set>
+                                      <p:cBhvr>
+                                        <p:cTn id="66" dur="1" fill="hold">
+                                          <p:stCondLst>
+                                            <p:cond delay="0"/>
+                                          </p:stCondLst>
+                                        </p:cTn>
+                                        <p:tgtEl>
+                                          <p:spTgt spid="67"/>
+                                        </p:tgtEl>
+                                        <p:attrNameLst>
+                                          <p:attrName>style.visibility</p:attrName>
+                                        </p:attrNameLst>
+                                      </p:cBhvr>
+                                      <p:to>
+                                        <p:strVal val="visible"/>
+                                      </p:to>
+                                    </p:set>
+                                    <p:animEffect transition="in" filter="fade">
+                                      <p:cBhvr>
+                                        <p:cTn id="67" dur="500"/>
+                                        <p:tgtEl>
+                                          <p:spTgt spid="67"/>
+                                        </p:tgtEl>
+                                      </p:cBhvr>
+                                    </p:animEffect>
+                                  </p:childTnLst>
+                                </p:cTn>
+                              </p:par>
+                              <p:par>
+                                <p:cTn id="68" presetID="10" presetClass="entr" presetSubtype="0" fill="hold" nodeType="withEffect">
+                                  <p:stCondLst>
+                                    <p:cond delay="0"/>
+                                  </p:stCondLst>
+                                  <p:childTnLst>
+                                    <p:set>
+                                      <p:cBhvr>
+                                        <p:cTn id="69" dur="1" fill="hold">
+                                          <p:stCondLst>
+                                            <p:cond delay="0"/>
+                                          </p:stCondLst>
+                                        </p:cTn>
+                                        <p:tgtEl>
+                                          <p:spTgt spid="43"/>
+                                        </p:tgtEl>
+                                        <p:attrNameLst>
+                                          <p:attrName>style.visibility</p:attrName>
+                                        </p:attrNameLst>
+                                      </p:cBhvr>
+                                      <p:to>
+                                        <p:strVal val="visible"/>
+                                      </p:to>
+                                    </p:set>
+                                    <p:animEffect transition="in" filter="fade">
+                                      <p:cBhvr>
+                                        <p:cTn id="70" dur="500"/>
+                                        <p:tgtEl>
+                                          <p:spTgt spid="43"/>
+                                        </p:tgtEl>
+                                      </p:cBhvr>
+                                    </p:animEffect>
+                                  </p:childTnLst>
+                                </p:cTn>
+                              </p:par>
+                              <p:par>
+                                <p:cTn id="71" presetID="10" presetClass="entr" presetSubtype="0" fill="hold" grpId="0" nodeType="withEffect">
+                                  <p:stCondLst>
+                                    <p:cond delay="0"/>
+                                  </p:stCondLst>
+                                  <p:childTnLst>
+                                    <p:set>
+                                      <p:cBhvr>
+                                        <p:cTn id="72" dur="1" fill="hold">
+                                          <p:stCondLst>
+                                            <p:cond delay="0"/>
+                                          </p:stCondLst>
+                                        </p:cTn>
+                                        <p:tgtEl>
+                                          <p:spTgt spid="64"/>
+                                        </p:tgtEl>
+                                        <p:attrNameLst>
+                                          <p:attrName>style.visibility</p:attrName>
+                                        </p:attrNameLst>
+                                      </p:cBhvr>
+                                      <p:to>
+                                        <p:strVal val="visible"/>
+                                      </p:to>
+                                    </p:set>
+                                    <p:animEffect transition="in" filter="fade">
+                                      <p:cBhvr>
+                                        <p:cTn id="73" dur="500"/>
+                                        <p:tgtEl>
+                                          <p:spTgt spid="64"/>
+                                        </p:tgtEl>
+                                      </p:cBhvr>
+                                    </p:animEffect>
+                                  </p:childTnLst>
+                                </p:cTn>
+                              </p:par>
+                              <p:par>
+                                <p:cTn id="74" presetID="10" presetClass="entr" presetSubtype="0" fill="hold" nodeType="withEffect">
+                                  <p:stCondLst>
+                                    <p:cond delay="0"/>
+                                  </p:stCondLst>
+                                  <p:childTnLst>
+                                    <p:set>
+                                      <p:cBhvr>
+                                        <p:cTn id="75" dur="1" fill="hold">
+                                          <p:stCondLst>
+                                            <p:cond delay="0"/>
+                                          </p:stCondLst>
+                                        </p:cTn>
+                                        <p:tgtEl>
+                                          <p:spTgt spid="78"/>
+                                        </p:tgtEl>
+                                        <p:attrNameLst>
+                                          <p:attrName>style.visibility</p:attrName>
+                                        </p:attrNameLst>
+                                      </p:cBhvr>
+                                      <p:to>
+                                        <p:strVal val="visible"/>
+                                      </p:to>
+                                    </p:set>
+                                    <p:animEffect transition="in" filter="fade">
+                                      <p:cBhvr>
+                                        <p:cTn id="76" dur="500"/>
+                                        <p:tgtEl>
+                                          <p:spTgt spid="78"/>
+                                        </p:tgtEl>
+                                      </p:cBhvr>
+                                    </p:animEffect>
+                                  </p:childTnLst>
+                                </p:cTn>
+                              </p:par>
+                              <p:par>
+                                <p:cTn id="77" presetID="10" presetClass="entr" presetSubtype="0" fill="hold" grpId="0" nodeType="withEffect">
+                                  <p:stCondLst>
+                                    <p:cond delay="0"/>
+                                  </p:stCondLst>
+                                  <p:childTnLst>
+                                    <p:set>
+                                      <p:cBhvr>
+                                        <p:cTn id="78" dur="1" fill="hold">
+                                          <p:stCondLst>
+                                            <p:cond delay="0"/>
+                                          </p:stCondLst>
+                                        </p:cTn>
+                                        <p:tgtEl>
+                                          <p:spTgt spid="77"/>
+                                        </p:tgtEl>
+                                        <p:attrNameLst>
+                                          <p:attrName>style.visibility</p:attrName>
+                                        </p:attrNameLst>
+                                      </p:cBhvr>
+                                      <p:to>
+                                        <p:strVal val="visible"/>
+                                      </p:to>
+                                    </p:set>
+                                    <p:animEffect transition="in" filter="fade">
+                                      <p:cBhvr>
+                                        <p:cTn id="79" dur="500"/>
+                                        <p:tgtEl>
+                                          <p:spTgt spid="77"/>
+                                        </p:tgtEl>
+                                      </p:cBhvr>
+                                    </p:animEffect>
+                                  </p:childTnLst>
+                                </p:cTn>
+                              </p:par>
+                              <p:par>
+                                <p:cTn id="80" presetID="10" presetClass="entr" presetSubtype="0" fill="hold" grpId="0" nodeType="withEffect">
+                                  <p:stCondLst>
+                                    <p:cond delay="0"/>
+                                  </p:stCondLst>
+                                  <p:childTnLst>
+                                    <p:set>
+                                      <p:cBhvr>
+                                        <p:cTn id="81" dur="1" fill="hold">
+                                          <p:stCondLst>
+                                            <p:cond delay="0"/>
+                                          </p:stCondLst>
+                                        </p:cTn>
+                                        <p:tgtEl>
+                                          <p:spTgt spid="76"/>
+                                        </p:tgtEl>
+                                        <p:attrNameLst>
+                                          <p:attrName>style.visibility</p:attrName>
+                                        </p:attrNameLst>
+                                      </p:cBhvr>
+                                      <p:to>
+                                        <p:strVal val="visible"/>
+                                      </p:to>
+                                    </p:set>
+                                    <p:animEffect transition="in" filter="fade">
+                                      <p:cBhvr>
+                                        <p:cTn id="82" dur="500"/>
+                                        <p:tgtEl>
+                                          <p:spTgt spid="76"/>
+                                        </p:tgtEl>
+                                      </p:cBhvr>
+                                    </p:animEffect>
+                                  </p:childTnLst>
+                                </p:cTn>
+                              </p:par>
+                              <p:par>
+                                <p:cTn id="83" presetID="10" presetClass="entr" presetSubtype="0" fill="hold" nodeType="withEffect">
+                                  <p:stCondLst>
+                                    <p:cond delay="0"/>
+                                  </p:stCondLst>
+                                  <p:childTnLst>
+                                    <p:set>
+                                      <p:cBhvr>
+                                        <p:cTn id="84" dur="1" fill="hold">
+                                          <p:stCondLst>
+                                            <p:cond delay="0"/>
+                                          </p:stCondLst>
+                                        </p:cTn>
+                                        <p:tgtEl>
+                                          <p:spTgt spid="82"/>
+                                        </p:tgtEl>
+                                        <p:attrNameLst>
+                                          <p:attrName>style.visibility</p:attrName>
+                                        </p:attrNameLst>
+                                      </p:cBhvr>
+                                      <p:to>
+                                        <p:strVal val="visible"/>
+                                      </p:to>
+                                    </p:set>
+                                    <p:animEffect transition="in" filter="fade">
+                                      <p:cBhvr>
+                                        <p:cTn id="85" dur="500"/>
+                                        <p:tgtEl>
+                                          <p:spTgt spid="82"/>
+                                        </p:tgtEl>
+                                      </p:cBhvr>
+                                    </p:animEffect>
+                                  </p:childTnLst>
+                                </p:cTn>
+                              </p:par>
+                              <p:par>
+                                <p:cTn id="86" presetID="10" presetClass="entr" presetSubtype="0" fill="hold" grpId="0" nodeType="withEffect">
+                                  <p:stCondLst>
+                                    <p:cond delay="0"/>
+                                  </p:stCondLst>
+                                  <p:childTnLst>
+                                    <p:set>
+                                      <p:cBhvr>
+                                        <p:cTn id="87" dur="1" fill="hold">
+                                          <p:stCondLst>
+                                            <p:cond delay="0"/>
+                                          </p:stCondLst>
+                                        </p:cTn>
+                                        <p:tgtEl>
+                                          <p:spTgt spid="83"/>
+                                        </p:tgtEl>
+                                        <p:attrNameLst>
+                                          <p:attrName>style.visibility</p:attrName>
+                                        </p:attrNameLst>
+                                      </p:cBhvr>
+                                      <p:to>
+                                        <p:strVal val="visible"/>
+                                      </p:to>
+                                    </p:set>
+                                    <p:animEffect transition="in" filter="fade">
+                                      <p:cBhvr>
+                                        <p:cTn id="88" dur="500"/>
+                                        <p:tgtEl>
+                                          <p:spTgt spid="83"/>
+                                        </p:tgtEl>
+                                      </p:cBhvr>
+                                    </p:animEffect>
+                                  </p:childTnLst>
+                                </p:cTn>
+                              </p:par>
+                              <p:par>
+                                <p:cTn id="89" presetID="10" presetClass="entr" presetSubtype="0" fill="hold" grpId="0" nodeType="withEffect">
+                                  <p:stCondLst>
+                                    <p:cond delay="0"/>
+                                  </p:stCondLst>
+                                  <p:childTnLst>
+                                    <p:set>
+                                      <p:cBhvr>
+                                        <p:cTn id="90" dur="1" fill="hold">
                                           <p:stCondLst>
                                             <p:cond delay="0"/>
                                           </p:stCondLst>
@@ -14059,7 +16586,7 @@
                                     </p:set>
                                     <p:animEffect transition="in" filter="fade">
                                       <p:cBhvr>
-                                        <p:cTn id="23" dur="500"/>
+                                        <p:cTn id="91" dur="500"/>
                                         <p:tgtEl>
                                           <p:spTgt spid="18"/>
                                         </p:tgtEl>
@@ -14069,20 +16596,20 @@
                                 </p:cTn>
                               </p:par>
                               <p:par>
-                                <p:cTn id="24" presetID="10" presetClass="entr" presetSubtype="0" fill="hold" nodeType="withEffect">
+                                <p:cTn id="92" presetID="10" presetClass="entr" presetSubtype="0" fill="hold" grpId="0" nodeType="withEffect">
                                   <p:stCondLst>
                                     <p:cond delay="0"/>
                                   </p:stCondLst>
                                   <p:childTnLst>
                                     <p:set>
                                       <p:cBhvr>
-                                        <p:cTn id="25" dur="1" fill="hold">
+                                        <p:cTn id="93" dur="1" fill="hold">
                                           <p:stCondLst>
                                             <p:cond delay="0"/>
                                           </p:stCondLst>
                                         </p:cTn>
                                         <p:tgtEl>
-                                          <p:spTgt spid="3"/>
+                                          <p:spTgt spid="22"/>
                                         </p:tgtEl>
                                         <p:attrNameLst>
                                           <p:attrName>style.visibility</p:attrName>
@@ -14094,9 +16621,816 @@
                                     </p:set>
                                     <p:animEffect transition="in" filter="fade">
                                       <p:cBhvr>
-                                        <p:cTn id="26" dur="500"/>
+                                        <p:cTn id="94" dur="500"/>
                                         <p:tgtEl>
-                                          <p:spTgt spid="3"/>
+                                          <p:spTgt spid="22"/>
+                                        </p:tgtEl>
+                                      </p:cBhvr>
+                                    </p:animEffect>
+                                  </p:childTnLst>
+                                </p:cTn>
+                              </p:par>
+                            </p:childTnLst>
+                          </p:cTn>
+                        </p:par>
+                      </p:childTnLst>
+                    </p:cTn>
+                  </p:par>
+                  <p:par>
+                    <p:cTn id="95" fill="hold">
+                      <p:stCondLst>
+                        <p:cond delay="indefinite"/>
+                      </p:stCondLst>
+                      <p:childTnLst>
+                        <p:par>
+                          <p:cTn id="96" fill="hold">
+                            <p:stCondLst>
+                              <p:cond delay="0"/>
+                            </p:stCondLst>
+                            <p:childTnLst>
+                              <p:par>
+                                <p:cTn id="97" presetID="10" presetClass="entr" presetSubtype="0" fill="hold" nodeType="clickEffect">
+                                  <p:stCondLst>
+                                    <p:cond delay="0"/>
+                                  </p:stCondLst>
+                                  <p:childTnLst>
+                                    <p:set>
+                                      <p:cBhvr>
+                                        <p:cTn id="98" dur="1" fill="hold">
+                                          <p:stCondLst>
+                                            <p:cond delay="0"/>
+                                          </p:stCondLst>
+                                        </p:cTn>
+                                        <p:tgtEl>
+                                          <p:spTgt spid="60"/>
+                                        </p:tgtEl>
+                                        <p:attrNameLst>
+                                          <p:attrName>style.visibility</p:attrName>
+                                        </p:attrNameLst>
+                                      </p:cBhvr>
+                                      <p:to>
+                                        <p:strVal val="visible"/>
+                                      </p:to>
+                                    </p:set>
+                                    <p:animEffect transition="in" filter="fade">
+                                      <p:cBhvr>
+                                        <p:cTn id="99" dur="500"/>
+                                        <p:tgtEl>
+                                          <p:spTgt spid="60"/>
+                                        </p:tgtEl>
+                                      </p:cBhvr>
+                                    </p:animEffect>
+                                  </p:childTnLst>
+                                </p:cTn>
+                              </p:par>
+                              <p:par>
+                                <p:cTn id="100" presetID="10" presetClass="entr" presetSubtype="0" fill="hold" nodeType="withEffect">
+                                  <p:stCondLst>
+                                    <p:cond delay="0"/>
+                                  </p:stCondLst>
+                                  <p:childTnLst>
+                                    <p:set>
+                                      <p:cBhvr>
+                                        <p:cTn id="101" dur="1" fill="hold">
+                                          <p:stCondLst>
+                                            <p:cond delay="0"/>
+                                          </p:stCondLst>
+                                        </p:cTn>
+                                        <p:tgtEl>
+                                          <p:spTgt spid="87"/>
+                                        </p:tgtEl>
+                                        <p:attrNameLst>
+                                          <p:attrName>style.visibility</p:attrName>
+                                        </p:attrNameLst>
+                                      </p:cBhvr>
+                                      <p:to>
+                                        <p:strVal val="visible"/>
+                                      </p:to>
+                                    </p:set>
+                                    <p:animEffect transition="in" filter="fade">
+                                      <p:cBhvr>
+                                        <p:cTn id="102" dur="500"/>
+                                        <p:tgtEl>
+                                          <p:spTgt spid="87"/>
+                                        </p:tgtEl>
+                                      </p:cBhvr>
+                                    </p:animEffect>
+                                  </p:childTnLst>
+                                </p:cTn>
+                              </p:par>
+                              <p:par>
+                                <p:cTn id="103" presetID="10" presetClass="entr" presetSubtype="0" fill="hold" grpId="0" nodeType="withEffect">
+                                  <p:stCondLst>
+                                    <p:cond delay="0"/>
+                                  </p:stCondLst>
+                                  <p:childTnLst>
+                                    <p:set>
+                                      <p:cBhvr>
+                                        <p:cTn id="104" dur="1" fill="hold">
+                                          <p:stCondLst>
+                                            <p:cond delay="0"/>
+                                          </p:stCondLst>
+                                        </p:cTn>
+                                        <p:tgtEl>
+                                          <p:spTgt spid="68"/>
+                                        </p:tgtEl>
+                                        <p:attrNameLst>
+                                          <p:attrName>style.visibility</p:attrName>
+                                        </p:attrNameLst>
+                                      </p:cBhvr>
+                                      <p:to>
+                                        <p:strVal val="visible"/>
+                                      </p:to>
+                                    </p:set>
+                                    <p:animEffect transition="in" filter="fade">
+                                      <p:cBhvr>
+                                        <p:cTn id="105" dur="500"/>
+                                        <p:tgtEl>
+                                          <p:spTgt spid="68"/>
+                                        </p:tgtEl>
+                                      </p:cBhvr>
+                                    </p:animEffect>
+                                  </p:childTnLst>
+                                </p:cTn>
+                              </p:par>
+                              <p:par>
+                                <p:cTn id="106" presetID="10" presetClass="entr" presetSubtype="0" fill="hold" nodeType="withEffect">
+                                  <p:stCondLst>
+                                    <p:cond delay="0"/>
+                                  </p:stCondLst>
+                                  <p:childTnLst>
+                                    <p:set>
+                                      <p:cBhvr>
+                                        <p:cTn id="107" dur="1" fill="hold">
+                                          <p:stCondLst>
+                                            <p:cond delay="0"/>
+                                          </p:stCondLst>
+                                        </p:cTn>
+                                        <p:tgtEl>
+                                          <p:spTgt spid="44"/>
+                                        </p:tgtEl>
+                                        <p:attrNameLst>
+                                          <p:attrName>style.visibility</p:attrName>
+                                        </p:attrNameLst>
+                                      </p:cBhvr>
+                                      <p:to>
+                                        <p:strVal val="visible"/>
+                                      </p:to>
+                                    </p:set>
+                                    <p:animEffect transition="in" filter="fade">
+                                      <p:cBhvr>
+                                        <p:cTn id="108" dur="500"/>
+                                        <p:tgtEl>
+                                          <p:spTgt spid="44"/>
+                                        </p:tgtEl>
+                                      </p:cBhvr>
+                                    </p:animEffect>
+                                  </p:childTnLst>
+                                </p:cTn>
+                              </p:par>
+                              <p:par>
+                                <p:cTn id="109" presetID="10" presetClass="entr" presetSubtype="0" fill="hold" grpId="0" nodeType="withEffect">
+                                  <p:stCondLst>
+                                    <p:cond delay="0"/>
+                                  </p:stCondLst>
+                                  <p:childTnLst>
+                                    <p:set>
+                                      <p:cBhvr>
+                                        <p:cTn id="110" dur="1" fill="hold">
+                                          <p:stCondLst>
+                                            <p:cond delay="0"/>
+                                          </p:stCondLst>
+                                        </p:cTn>
+                                        <p:tgtEl>
+                                          <p:spTgt spid="46"/>
+                                        </p:tgtEl>
+                                        <p:attrNameLst>
+                                          <p:attrName>style.visibility</p:attrName>
+                                        </p:attrNameLst>
+                                      </p:cBhvr>
+                                      <p:to>
+                                        <p:strVal val="visible"/>
+                                      </p:to>
+                                    </p:set>
+                                    <p:animEffect transition="in" filter="fade">
+                                      <p:cBhvr>
+                                        <p:cTn id="111" dur="500"/>
+                                        <p:tgtEl>
+                                          <p:spTgt spid="46"/>
+                                        </p:tgtEl>
+                                      </p:cBhvr>
+                                    </p:animEffect>
+                                  </p:childTnLst>
+                                </p:cTn>
+                              </p:par>
+                              <p:par>
+                                <p:cTn id="112" presetID="10" presetClass="entr" presetSubtype="0" fill="hold" nodeType="withEffect">
+                                  <p:stCondLst>
+                                    <p:cond delay="0"/>
+                                  </p:stCondLst>
+                                  <p:childTnLst>
+                                    <p:set>
+                                      <p:cBhvr>
+                                        <p:cTn id="113" dur="1" fill="hold">
+                                          <p:stCondLst>
+                                            <p:cond delay="0"/>
+                                          </p:stCondLst>
+                                        </p:cTn>
+                                        <p:tgtEl>
+                                          <p:spTgt spid="32"/>
+                                        </p:tgtEl>
+                                        <p:attrNameLst>
+                                          <p:attrName>style.visibility</p:attrName>
+                                        </p:attrNameLst>
+                                      </p:cBhvr>
+                                      <p:to>
+                                        <p:strVal val="visible"/>
+                                      </p:to>
+                                    </p:set>
+                                    <p:animEffect transition="in" filter="fade">
+                                      <p:cBhvr>
+                                        <p:cTn id="114" dur="500"/>
+                                        <p:tgtEl>
+                                          <p:spTgt spid="32"/>
+                                        </p:tgtEl>
+                                      </p:cBhvr>
+                                    </p:animEffect>
+                                  </p:childTnLst>
+                                </p:cTn>
+                              </p:par>
+                            </p:childTnLst>
+                          </p:cTn>
+                        </p:par>
+                      </p:childTnLst>
+                    </p:cTn>
+                  </p:par>
+                  <p:par>
+                    <p:cTn id="115" fill="hold">
+                      <p:stCondLst>
+                        <p:cond delay="indefinite"/>
+                      </p:stCondLst>
+                      <p:childTnLst>
+                        <p:par>
+                          <p:cTn id="116" fill="hold">
+                            <p:stCondLst>
+                              <p:cond delay="0"/>
+                            </p:stCondLst>
+                            <p:childTnLst>
+                              <p:par>
+                                <p:cTn id="117" presetID="10" presetClass="entr" presetSubtype="0" fill="hold" nodeType="clickEffect">
+                                  <p:stCondLst>
+                                    <p:cond delay="0"/>
+                                  </p:stCondLst>
+                                  <p:childTnLst>
+                                    <p:set>
+                                      <p:cBhvr>
+                                        <p:cTn id="118" dur="1" fill="hold">
+                                          <p:stCondLst>
+                                            <p:cond delay="0"/>
+                                          </p:stCondLst>
+                                        </p:cTn>
+                                        <p:tgtEl>
+                                          <p:spTgt spid="79"/>
+                                        </p:tgtEl>
+                                        <p:attrNameLst>
+                                          <p:attrName>style.visibility</p:attrName>
+                                        </p:attrNameLst>
+                                      </p:cBhvr>
+                                      <p:to>
+                                        <p:strVal val="visible"/>
+                                      </p:to>
+                                    </p:set>
+                                    <p:animEffect transition="in" filter="fade">
+                                      <p:cBhvr>
+                                        <p:cTn id="119" dur="500"/>
+                                        <p:tgtEl>
+                                          <p:spTgt spid="79"/>
+                                        </p:tgtEl>
+                                      </p:cBhvr>
+                                    </p:animEffect>
+                                  </p:childTnLst>
+                                </p:cTn>
+                              </p:par>
+                              <p:par>
+                                <p:cTn id="120" presetID="10" presetClass="entr" presetSubtype="0" fill="hold" grpId="0" nodeType="withEffect">
+                                  <p:stCondLst>
+                                    <p:cond delay="0"/>
+                                  </p:stCondLst>
+                                  <p:childTnLst>
+                                    <p:set>
+                                      <p:cBhvr>
+                                        <p:cTn id="121" dur="1" fill="hold">
+                                          <p:stCondLst>
+                                            <p:cond delay="0"/>
+                                          </p:stCondLst>
+                                        </p:cTn>
+                                        <p:tgtEl>
+                                          <p:spTgt spid="85"/>
+                                        </p:tgtEl>
+                                        <p:attrNameLst>
+                                          <p:attrName>style.visibility</p:attrName>
+                                        </p:attrNameLst>
+                                      </p:cBhvr>
+                                      <p:to>
+                                        <p:strVal val="visible"/>
+                                      </p:to>
+                                    </p:set>
+                                    <p:animEffect transition="in" filter="fade">
+                                      <p:cBhvr>
+                                        <p:cTn id="122" dur="500"/>
+                                        <p:tgtEl>
+                                          <p:spTgt spid="85"/>
+                                        </p:tgtEl>
+                                      </p:cBhvr>
+                                    </p:animEffect>
+                                  </p:childTnLst>
+                                </p:cTn>
+                              </p:par>
+                              <p:par>
+                                <p:cTn id="123" presetID="10" presetClass="entr" presetSubtype="0" fill="hold" nodeType="withEffect">
+                                  <p:stCondLst>
+                                    <p:cond delay="0"/>
+                                  </p:stCondLst>
+                                  <p:childTnLst>
+                                    <p:set>
+                                      <p:cBhvr>
+                                        <p:cTn id="124" dur="1" fill="hold">
+                                          <p:stCondLst>
+                                            <p:cond delay="0"/>
+                                          </p:stCondLst>
+                                        </p:cTn>
+                                        <p:tgtEl>
+                                          <p:spTgt spid="88"/>
+                                        </p:tgtEl>
+                                        <p:attrNameLst>
+                                          <p:attrName>style.visibility</p:attrName>
+                                        </p:attrNameLst>
+                                      </p:cBhvr>
+                                      <p:to>
+                                        <p:strVal val="visible"/>
+                                      </p:to>
+                                    </p:set>
+                                    <p:animEffect transition="in" filter="fade">
+                                      <p:cBhvr>
+                                        <p:cTn id="125" dur="500"/>
+                                        <p:tgtEl>
+                                          <p:spTgt spid="88"/>
+                                        </p:tgtEl>
+                                      </p:cBhvr>
+                                    </p:animEffect>
+                                  </p:childTnLst>
+                                </p:cTn>
+                              </p:par>
+                              <p:par>
+                                <p:cTn id="126" presetID="10" presetClass="entr" presetSubtype="0" fill="hold" grpId="0" nodeType="withEffect">
+                                  <p:stCondLst>
+                                    <p:cond delay="0"/>
+                                  </p:stCondLst>
+                                  <p:childTnLst>
+                                    <p:set>
+                                      <p:cBhvr>
+                                        <p:cTn id="127" dur="1" fill="hold">
+                                          <p:stCondLst>
+                                            <p:cond delay="0"/>
+                                          </p:stCondLst>
+                                        </p:cTn>
+                                        <p:tgtEl>
+                                          <p:spTgt spid="75"/>
+                                        </p:tgtEl>
+                                        <p:attrNameLst>
+                                          <p:attrName>style.visibility</p:attrName>
+                                        </p:attrNameLst>
+                                      </p:cBhvr>
+                                      <p:to>
+                                        <p:strVal val="visible"/>
+                                      </p:to>
+                                    </p:set>
+                                    <p:animEffect transition="in" filter="fade">
+                                      <p:cBhvr>
+                                        <p:cTn id="128" dur="500"/>
+                                        <p:tgtEl>
+                                          <p:spTgt spid="75"/>
+                                        </p:tgtEl>
+                                      </p:cBhvr>
+                                    </p:animEffect>
+                                  </p:childTnLst>
+                                </p:cTn>
+                              </p:par>
+                              <p:par>
+                                <p:cTn id="129" presetID="10" presetClass="entr" presetSubtype="0" fill="hold" nodeType="withEffect">
+                                  <p:stCondLst>
+                                    <p:cond delay="0"/>
+                                  </p:stCondLst>
+                                  <p:childTnLst>
+                                    <p:set>
+                                      <p:cBhvr>
+                                        <p:cTn id="130" dur="1" fill="hold">
+                                          <p:stCondLst>
+                                            <p:cond delay="0"/>
+                                          </p:stCondLst>
+                                        </p:cTn>
+                                        <p:tgtEl>
+                                          <p:spTgt spid="81"/>
+                                        </p:tgtEl>
+                                        <p:attrNameLst>
+                                          <p:attrName>style.visibility</p:attrName>
+                                        </p:attrNameLst>
+                                      </p:cBhvr>
+                                      <p:to>
+                                        <p:strVal val="visible"/>
+                                      </p:to>
+                                    </p:set>
+                                    <p:animEffect transition="in" filter="fade">
+                                      <p:cBhvr>
+                                        <p:cTn id="131" dur="500"/>
+                                        <p:tgtEl>
+                                          <p:spTgt spid="81"/>
+                                        </p:tgtEl>
+                                      </p:cBhvr>
+                                    </p:animEffect>
+                                  </p:childTnLst>
+                                </p:cTn>
+                              </p:par>
+                              <p:par>
+                                <p:cTn id="132" presetID="10" presetClass="entr" presetSubtype="0" fill="hold" nodeType="withEffect">
+                                  <p:stCondLst>
+                                    <p:cond delay="0"/>
+                                  </p:stCondLst>
+                                  <p:childTnLst>
+                                    <p:set>
+                                      <p:cBhvr>
+                                        <p:cTn id="133" dur="1" fill="hold">
+                                          <p:stCondLst>
+                                            <p:cond delay="0"/>
+                                          </p:stCondLst>
+                                        </p:cTn>
+                                        <p:tgtEl>
+                                          <p:spTgt spid="34"/>
+                                        </p:tgtEl>
+                                        <p:attrNameLst>
+                                          <p:attrName>style.visibility</p:attrName>
+                                        </p:attrNameLst>
+                                      </p:cBhvr>
+                                      <p:to>
+                                        <p:strVal val="visible"/>
+                                      </p:to>
+                                    </p:set>
+                                    <p:animEffect transition="in" filter="fade">
+                                      <p:cBhvr>
+                                        <p:cTn id="134" dur="500"/>
+                                        <p:tgtEl>
+                                          <p:spTgt spid="34"/>
+                                        </p:tgtEl>
+                                      </p:cBhvr>
+                                    </p:animEffect>
+                                  </p:childTnLst>
+                                </p:cTn>
+                              </p:par>
+                            </p:childTnLst>
+                          </p:cTn>
+                        </p:par>
+                      </p:childTnLst>
+                    </p:cTn>
+                  </p:par>
+                  <p:par>
+                    <p:cTn id="135" fill="hold">
+                      <p:stCondLst>
+                        <p:cond delay="indefinite"/>
+                      </p:stCondLst>
+                      <p:childTnLst>
+                        <p:par>
+                          <p:cTn id="136" fill="hold">
+                            <p:stCondLst>
+                              <p:cond delay="0"/>
+                            </p:stCondLst>
+                            <p:childTnLst>
+                              <p:par>
+                                <p:cTn id="137" presetID="10" presetClass="entr" presetSubtype="0" fill="hold" grpId="0" nodeType="clickEffect">
+                                  <p:stCondLst>
+                                    <p:cond delay="0"/>
+                                  </p:stCondLst>
+                                  <p:childTnLst>
+                                    <p:set>
+                                      <p:cBhvr>
+                                        <p:cTn id="138" dur="1" fill="hold">
+                                          <p:stCondLst>
+                                            <p:cond delay="0"/>
+                                          </p:stCondLst>
+                                        </p:cTn>
+                                        <p:tgtEl>
+                                          <p:spTgt spid="45"/>
+                                        </p:tgtEl>
+                                        <p:attrNameLst>
+                                          <p:attrName>style.visibility</p:attrName>
+                                        </p:attrNameLst>
+                                      </p:cBhvr>
+                                      <p:to>
+                                        <p:strVal val="visible"/>
+                                      </p:to>
+                                    </p:set>
+                                    <p:animEffect transition="in" filter="fade">
+                                      <p:cBhvr>
+                                        <p:cTn id="139" dur="500"/>
+                                        <p:tgtEl>
+                                          <p:spTgt spid="45"/>
+                                        </p:tgtEl>
+                                      </p:cBhvr>
+                                    </p:animEffect>
+                                  </p:childTnLst>
+                                </p:cTn>
+                              </p:par>
+                              <p:par>
+                                <p:cTn id="140" presetID="10" presetClass="entr" presetSubtype="0" fill="hold" nodeType="withEffect">
+                                  <p:stCondLst>
+                                    <p:cond delay="0"/>
+                                  </p:stCondLst>
+                                  <p:childTnLst>
+                                    <p:set>
+                                      <p:cBhvr>
+                                        <p:cTn id="141" dur="1" fill="hold">
+                                          <p:stCondLst>
+                                            <p:cond delay="0"/>
+                                          </p:stCondLst>
+                                        </p:cTn>
+                                        <p:tgtEl>
+                                          <p:spTgt spid="72"/>
+                                        </p:tgtEl>
+                                        <p:attrNameLst>
+                                          <p:attrName>style.visibility</p:attrName>
+                                        </p:attrNameLst>
+                                      </p:cBhvr>
+                                      <p:to>
+                                        <p:strVal val="visible"/>
+                                      </p:to>
+                                    </p:set>
+                                    <p:animEffect transition="in" filter="fade">
+                                      <p:cBhvr>
+                                        <p:cTn id="142" dur="500"/>
+                                        <p:tgtEl>
+                                          <p:spTgt spid="72"/>
+                                        </p:tgtEl>
+                                      </p:cBhvr>
+                                    </p:animEffect>
+                                  </p:childTnLst>
+                                </p:cTn>
+                              </p:par>
+                              <p:par>
+                                <p:cTn id="143" presetID="10" presetClass="entr" presetSubtype="0" fill="hold" grpId="0" nodeType="withEffect">
+                                  <p:stCondLst>
+                                    <p:cond delay="0"/>
+                                  </p:stCondLst>
+                                  <p:childTnLst>
+                                    <p:set>
+                                      <p:cBhvr>
+                                        <p:cTn id="144" dur="1" fill="hold">
+                                          <p:stCondLst>
+                                            <p:cond delay="0"/>
+                                          </p:stCondLst>
+                                        </p:cTn>
+                                        <p:tgtEl>
+                                          <p:spTgt spid="80"/>
+                                        </p:tgtEl>
+                                        <p:attrNameLst>
+                                          <p:attrName>style.visibility</p:attrName>
+                                        </p:attrNameLst>
+                                      </p:cBhvr>
+                                      <p:to>
+                                        <p:strVal val="visible"/>
+                                      </p:to>
+                                    </p:set>
+                                    <p:animEffect transition="in" filter="fade">
+                                      <p:cBhvr>
+                                        <p:cTn id="145" dur="500"/>
+                                        <p:tgtEl>
+                                          <p:spTgt spid="80"/>
+                                        </p:tgtEl>
+                                      </p:cBhvr>
+                                    </p:animEffect>
+                                  </p:childTnLst>
+                                </p:cTn>
+                              </p:par>
+                              <p:par>
+                                <p:cTn id="146" presetID="10" presetClass="entr" presetSubtype="0" fill="hold" nodeType="withEffect">
+                                  <p:stCondLst>
+                                    <p:cond delay="0"/>
+                                  </p:stCondLst>
+                                  <p:childTnLst>
+                                    <p:set>
+                                      <p:cBhvr>
+                                        <p:cTn id="147" dur="1" fill="hold">
+                                          <p:stCondLst>
+                                            <p:cond delay="0"/>
+                                          </p:stCondLst>
+                                        </p:cTn>
+                                        <p:tgtEl>
+                                          <p:spTgt spid="84"/>
+                                        </p:tgtEl>
+                                        <p:attrNameLst>
+                                          <p:attrName>style.visibility</p:attrName>
+                                        </p:attrNameLst>
+                                      </p:cBhvr>
+                                      <p:to>
+                                        <p:strVal val="visible"/>
+                                      </p:to>
+                                    </p:set>
+                                    <p:animEffect transition="in" filter="fade">
+                                      <p:cBhvr>
+                                        <p:cTn id="148" dur="500"/>
+                                        <p:tgtEl>
+                                          <p:spTgt spid="84"/>
+                                        </p:tgtEl>
+                                      </p:cBhvr>
+                                    </p:animEffect>
+                                  </p:childTnLst>
+                                </p:cTn>
+                              </p:par>
+                            </p:childTnLst>
+                          </p:cTn>
+                        </p:par>
+                      </p:childTnLst>
+                    </p:cTn>
+                  </p:par>
+                  <p:par>
+                    <p:cTn id="149" fill="hold">
+                      <p:stCondLst>
+                        <p:cond delay="indefinite"/>
+                      </p:stCondLst>
+                      <p:childTnLst>
+                        <p:par>
+                          <p:cTn id="150" fill="hold">
+                            <p:stCondLst>
+                              <p:cond delay="0"/>
+                            </p:stCondLst>
+                            <p:childTnLst>
+                              <p:par>
+                                <p:cTn id="151" presetID="10" presetClass="entr" presetSubtype="0" fill="hold" nodeType="clickEffect">
+                                  <p:stCondLst>
+                                    <p:cond delay="0"/>
+                                  </p:stCondLst>
+                                  <p:childTnLst>
+                                    <p:set>
+                                      <p:cBhvr>
+                                        <p:cTn id="152" dur="1" fill="hold">
+                                          <p:stCondLst>
+                                            <p:cond delay="0"/>
+                                          </p:stCondLst>
+                                        </p:cTn>
+                                        <p:tgtEl>
+                                          <p:spTgt spid="40"/>
+                                        </p:tgtEl>
+                                        <p:attrNameLst>
+                                          <p:attrName>style.visibility</p:attrName>
+                                        </p:attrNameLst>
+                                      </p:cBhvr>
+                                      <p:to>
+                                        <p:strVal val="visible"/>
+                                      </p:to>
+                                    </p:set>
+                                    <p:animEffect transition="in" filter="fade">
+                                      <p:cBhvr>
+                                        <p:cTn id="153" dur="500"/>
+                                        <p:tgtEl>
+                                          <p:spTgt spid="40"/>
+                                        </p:tgtEl>
+                                      </p:cBhvr>
+                                    </p:animEffect>
+                                  </p:childTnLst>
+                                </p:cTn>
+                              </p:par>
+                              <p:par>
+                                <p:cTn id="154" presetID="10" presetClass="entr" presetSubtype="0" fill="hold" grpId="0" nodeType="withEffect">
+                                  <p:stCondLst>
+                                    <p:cond delay="0"/>
+                                  </p:stCondLst>
+                                  <p:childTnLst>
+                                    <p:set>
+                                      <p:cBhvr>
+                                        <p:cTn id="155" dur="1" fill="hold">
+                                          <p:stCondLst>
+                                            <p:cond delay="0"/>
+                                          </p:stCondLst>
+                                        </p:cTn>
+                                        <p:tgtEl>
+                                          <p:spTgt spid="29"/>
+                                        </p:tgtEl>
+                                        <p:attrNameLst>
+                                          <p:attrName>style.visibility</p:attrName>
+                                        </p:attrNameLst>
+                                      </p:cBhvr>
+                                      <p:to>
+                                        <p:strVal val="visible"/>
+                                      </p:to>
+                                    </p:set>
+                                    <p:animEffect transition="in" filter="fade">
+                                      <p:cBhvr>
+                                        <p:cTn id="156" dur="500"/>
+                                        <p:tgtEl>
+                                          <p:spTgt spid="29"/>
+                                        </p:tgtEl>
+                                      </p:cBhvr>
+                                    </p:animEffect>
+                                  </p:childTnLst>
+                                </p:cTn>
+                              </p:par>
+                              <p:par>
+                                <p:cTn id="157" presetID="10" presetClass="entr" presetSubtype="0" fill="hold" grpId="0" nodeType="withEffect">
+                                  <p:stCondLst>
+                                    <p:cond delay="0"/>
+                                  </p:stCondLst>
+                                  <p:childTnLst>
+                                    <p:set>
+                                      <p:cBhvr>
+                                        <p:cTn id="158" dur="1" fill="hold">
+                                          <p:stCondLst>
+                                            <p:cond delay="0"/>
+                                          </p:stCondLst>
+                                        </p:cTn>
+                                        <p:tgtEl>
+                                          <p:spTgt spid="30"/>
+                                        </p:tgtEl>
+                                        <p:attrNameLst>
+                                          <p:attrName>style.visibility</p:attrName>
+                                        </p:attrNameLst>
+                                      </p:cBhvr>
+                                      <p:to>
+                                        <p:strVal val="visible"/>
+                                      </p:to>
+                                    </p:set>
+                                    <p:animEffect transition="in" filter="fade">
+                                      <p:cBhvr>
+                                        <p:cTn id="159" dur="500"/>
+                                        <p:tgtEl>
+                                          <p:spTgt spid="30"/>
+                                        </p:tgtEl>
+                                      </p:cBhvr>
+                                    </p:animEffect>
+                                  </p:childTnLst>
+                                </p:cTn>
+                              </p:par>
+                              <p:par>
+                                <p:cTn id="160" presetID="10" presetClass="entr" presetSubtype="0" fill="hold" nodeType="withEffect">
+                                  <p:stCondLst>
+                                    <p:cond delay="0"/>
+                                  </p:stCondLst>
+                                  <p:childTnLst>
+                                    <p:set>
+                                      <p:cBhvr>
+                                        <p:cTn id="161" dur="1" fill="hold">
+                                          <p:stCondLst>
+                                            <p:cond delay="0"/>
+                                          </p:stCondLst>
+                                        </p:cTn>
+                                        <p:tgtEl>
+                                          <p:spTgt spid="42"/>
+                                        </p:tgtEl>
+                                        <p:attrNameLst>
+                                          <p:attrName>style.visibility</p:attrName>
+                                        </p:attrNameLst>
+                                      </p:cBhvr>
+                                      <p:to>
+                                        <p:strVal val="visible"/>
+                                      </p:to>
+                                    </p:set>
+                                    <p:animEffect transition="in" filter="fade">
+                                      <p:cBhvr>
+                                        <p:cTn id="162" dur="500"/>
+                                        <p:tgtEl>
+                                          <p:spTgt spid="42"/>
+                                        </p:tgtEl>
+                                      </p:cBhvr>
+                                    </p:animEffect>
+                                  </p:childTnLst>
+                                </p:cTn>
+                              </p:par>
+                              <p:par>
+                                <p:cTn id="163" presetID="10" presetClass="entr" presetSubtype="0" fill="hold" nodeType="withEffect">
+                                  <p:stCondLst>
+                                    <p:cond delay="0"/>
+                                  </p:stCondLst>
+                                  <p:childTnLst>
+                                    <p:set>
+                                      <p:cBhvr>
+                                        <p:cTn id="164" dur="1" fill="hold">
+                                          <p:stCondLst>
+                                            <p:cond delay="0"/>
+                                          </p:stCondLst>
+                                        </p:cTn>
+                                        <p:tgtEl>
+                                          <p:spTgt spid="102"/>
+                                        </p:tgtEl>
+                                        <p:attrNameLst>
+                                          <p:attrName>style.visibility</p:attrName>
+                                        </p:attrNameLst>
+                                      </p:cBhvr>
+                                      <p:to>
+                                        <p:strVal val="visible"/>
+                                      </p:to>
+                                    </p:set>
+                                    <p:animEffect transition="in" filter="fade">
+                                      <p:cBhvr>
+                                        <p:cTn id="165" dur="500"/>
+                                        <p:tgtEl>
+                                          <p:spTgt spid="102"/>
                                         </p:tgtEl>
                                       </p:cBhvr>
                                     </p:animEffect>
@@ -14131,10 +17465,31 @@
       </p:par>
     </p:tnLst>
     <p:bldLst>
-      <p:bldP spid="15" grpId="0"/>
-      <p:bldP spid="16" grpId="0"/>
-      <p:bldP spid="17" grpId="0"/>
-      <p:bldP spid="18" grpId="0"/>
+      <p:bldP spid="18" grpId="0" animBg="1"/>
+      <p:bldP spid="17" grpId="0" animBg="1"/>
+      <p:bldP spid="46" grpId="0" animBg="1"/>
+      <p:bldP spid="85" grpId="0" animBg="1"/>
+      <p:bldP spid="19" grpId="0" animBg="1"/>
+      <p:bldP spid="20" grpId="0" animBg="1"/>
+      <p:bldP spid="21" grpId="0" animBg="1"/>
+      <p:bldP spid="22" grpId="0"/>
+      <p:bldP spid="23" grpId="0"/>
+      <p:bldP spid="26" grpId="0"/>
+      <p:bldP spid="68" grpId="0" animBg="1"/>
+      <p:bldP spid="27" grpId="0"/>
+      <p:bldP spid="28" grpId="0"/>
+      <p:bldP spid="29" grpId="0" animBg="1"/>
+      <p:bldP spid="67" grpId="0" animBg="1"/>
+      <p:bldP spid="30" grpId="0"/>
+      <p:bldP spid="64" grpId="0" animBg="1"/>
+      <p:bldP spid="45" grpId="0"/>
+      <p:bldP spid="66" grpId="0" animBg="1"/>
+      <p:bldP spid="75" grpId="0" animBg="1"/>
+      <p:bldP spid="76" grpId="0" animBg="1"/>
+      <p:bldP spid="77" grpId="0" animBg="1"/>
+      <p:bldP spid="80" grpId="0"/>
+      <p:bldP spid="83" grpId="0" animBg="1"/>
+      <p:bldP spid="93" grpId="0"/>
     </p:bldLst>
   </p:timing>
 </p:sld>
@@ -14178,7 +17533,7 @@
 
 <file path=ppt/tags/tag7.xml><?xml version="1.0" encoding="utf-8"?>
 <p:tagLst xmlns:a="http://schemas.openxmlformats.org/drawingml/2006/main" xmlns:r="http://schemas.openxmlformats.org/officeDocument/2006/relationships" xmlns:p="http://schemas.openxmlformats.org/presentationml/2006/main">
-  <p:tag name="TIMING" val="|57.4"/>
+  <p:tag name="TIMING" val="|22.4"/>
 </p:tagLst>
 </file>
 
